--- a/presentacion.pptx
+++ b/presentacion.pptx
@@ -6,7 +6,7 @@
     <p:sldMasterId id="2147483672" r:id="rId2"/>
   </p:sldMasterIdLst>
   <p:notesMasterIdLst>
-    <p:notesMasterId r:id="rId11"/>
+    <p:notesMasterId r:id="rId10"/>
   </p:notesMasterIdLst>
   <p:sldIdLst>
     <p:sldId id="256" r:id="rId3"/>
@@ -15,32 +15,31 @@
     <p:sldId id="257" r:id="rId6"/>
     <p:sldId id="292" r:id="rId7"/>
     <p:sldId id="293" r:id="rId8"/>
-    <p:sldId id="275" r:id="rId9"/>
-    <p:sldId id="295" r:id="rId10"/>
+    <p:sldId id="295" r:id="rId9"/>
   </p:sldIdLst>
   <p:sldSz cx="9144000" cy="5143500" type="screen16x9"/>
   <p:notesSz cx="6858000" cy="9144000"/>
   <p:embeddedFontLst>
     <p:embeddedFont>
       <p:font typeface="Fira Sans Condensed SemiBold" panose="020B0604020202020204" charset="0"/>
-      <p:regular r:id="rId12"/>
-      <p:bold r:id="rId13"/>
-      <p:italic r:id="rId14"/>
-      <p:boldItalic r:id="rId15"/>
+      <p:regular r:id="rId11"/>
+      <p:bold r:id="rId12"/>
+      <p:italic r:id="rId13"/>
+      <p:boldItalic r:id="rId14"/>
     </p:embeddedFont>
     <p:embeddedFont>
       <p:font typeface="Roboto" panose="020B0604020202020204" charset="0"/>
-      <p:regular r:id="rId16"/>
-      <p:bold r:id="rId17"/>
-      <p:italic r:id="rId18"/>
-      <p:boldItalic r:id="rId19"/>
+      <p:regular r:id="rId15"/>
+      <p:bold r:id="rId16"/>
+      <p:italic r:id="rId17"/>
+      <p:boldItalic r:id="rId18"/>
     </p:embeddedFont>
     <p:embeddedFont>
       <p:font typeface="Fira Sans Extra Condensed SemiBold" panose="020B0604020202020204" charset="0"/>
-      <p:regular r:id="rId20"/>
-      <p:bold r:id="rId21"/>
-      <p:italic r:id="rId22"/>
-      <p:boldItalic r:id="rId23"/>
+      <p:regular r:id="rId19"/>
+      <p:bold r:id="rId20"/>
+      <p:italic r:id="rId21"/>
+      <p:boldItalic r:id="rId22"/>
     </p:embeddedFont>
   </p:embeddedFontLst>
   <p:defaultTextStyle>
@@ -272,6 +271,11 @@
       </a:defRPr>
     </a:lvl9pPr>
   </p:defaultTextStyle>
+  <p:extLst>
+    <p:ext uri="{EFAFB233-063F-42B5-8137-9DF3F51BA10A}">
+      <p15:sldGuideLst xmlns:p15="http://schemas.microsoft.com/office/powerpoint/2012/main"/>
+    </p:ext>
+  </p:extLst>
 </p:presentation>
 </file>
 
@@ -1257,115 +1261,6 @@
     <p:extLst>
       <p:ext uri="{BB962C8B-B14F-4D97-AF65-F5344CB8AC3E}">
         <p14:creationId xmlns:p14="http://schemas.microsoft.com/office/powerpoint/2010/main" val="2226199464"/>
-      </p:ext>
-    </p:extLst>
-  </p:cSld>
-  <p:clrMapOvr>
-    <a:masterClrMapping/>
-  </p:clrMapOvr>
-</p:notes>
-</file>
-
-<file path=ppt/notesSlides/notesSlide6.xml><?xml version="1.0" encoding="utf-8"?>
-<p:notes xmlns:a="http://schemas.openxmlformats.org/drawingml/2006/main" xmlns:r="http://schemas.openxmlformats.org/officeDocument/2006/relationships" xmlns:p="http://schemas.openxmlformats.org/presentationml/2006/main" showMasterSp="0" showMasterPhAnim="0">
-  <p:cSld>
-    <p:spTree>
-      <p:nvGrpSpPr>
-        <p:cNvPr id="1" name="Shape 932"/>
-        <p:cNvGrpSpPr/>
-        <p:nvPr/>
-      </p:nvGrpSpPr>
-      <p:grpSpPr>
-        <a:xfrm>
-          <a:off x="0" y="0"/>
-          <a:ext cx="0" cy="0"/>
-          <a:chOff x="0" y="0"/>
-          <a:chExt cx="0" cy="0"/>
-        </a:xfrm>
-      </p:grpSpPr>
-      <p:sp>
-        <p:nvSpPr>
-          <p:cNvPr id="933" name="Google Shape;933;gb82fb82d2a_0_184:notes"/>
-          <p:cNvSpPr>
-            <a:spLocks noGrp="1" noRot="1" noChangeAspect="1"/>
-          </p:cNvSpPr>
-          <p:nvPr>
-            <p:ph type="sldImg" idx="2"/>
-          </p:nvPr>
-        </p:nvSpPr>
-        <p:spPr>
-          <a:xfrm>
-            <a:off x="381000" y="685800"/>
-            <a:ext cx="6096000" cy="3429000"/>
-          </a:xfrm>
-          <a:custGeom>
-            <a:avLst/>
-            <a:gdLst/>
-            <a:ahLst/>
-            <a:cxnLst/>
-            <a:rect l="l" t="t" r="r" b="b"/>
-            <a:pathLst>
-              <a:path w="120000" h="120000" extrusionOk="0">
-                <a:moveTo>
-                  <a:pt x="0" y="0"/>
-                </a:moveTo>
-                <a:lnTo>
-                  <a:pt x="120000" y="0"/>
-                </a:lnTo>
-                <a:lnTo>
-                  <a:pt x="120000" y="120000"/>
-                </a:lnTo>
-                <a:lnTo>
-                  <a:pt x="0" y="120000"/>
-                </a:lnTo>
-                <a:close/>
-              </a:path>
-            </a:pathLst>
-          </a:custGeom>
-        </p:spPr>
-      </p:sp>
-      <p:sp>
-        <p:nvSpPr>
-          <p:cNvPr id="934" name="Google Shape;934;gb82fb82d2a_0_184:notes"/>
-          <p:cNvSpPr txBox="1">
-            <a:spLocks noGrp="1"/>
-          </p:cNvSpPr>
-          <p:nvPr>
-            <p:ph type="body" idx="1"/>
-          </p:nvPr>
-        </p:nvSpPr>
-        <p:spPr>
-          <a:xfrm>
-            <a:off x="685800" y="4343400"/>
-            <a:ext cx="5486400" cy="4114800"/>
-          </a:xfrm>
-          <a:prstGeom prst="rect">
-            <a:avLst/>
-          </a:prstGeom>
-        </p:spPr>
-        <p:txBody>
-          <a:bodyPr spcFirstLastPara="1" wrap="square" lIns="91425" tIns="91425" rIns="91425" bIns="91425" anchor="t" anchorCtr="0">
-            <a:noAutofit/>
-          </a:bodyPr>
-          <a:lstStyle/>
-          <a:p>
-            <a:pPr marL="0" lvl="0" indent="0" algn="l" rtl="0">
-              <a:spcBef>
-                <a:spcPts val="0"/>
-              </a:spcBef>
-              <a:spcAft>
-                <a:spcPts val="0"/>
-              </a:spcAft>
-              <a:buNone/>
-            </a:pPr>
-            <a:endParaRPr/>
-          </a:p>
-        </p:txBody>
-      </p:sp>
-    </p:spTree>
-    <p:extLst>
-      <p:ext uri="{BB962C8B-B14F-4D97-AF65-F5344CB8AC3E}">
-        <p14:creationId xmlns:p14="http://schemas.microsoft.com/office/powerpoint/2010/main" val="265573506"/>
       </p:ext>
     </p:extLst>
   </p:cSld>
@@ -20960,19 +20855,7 @@
                 <a:cs typeface="Fira Sans Condensed SemiBold"/>
                 <a:sym typeface="Fira Sans Condensed SemiBold"/>
               </a:rPr>
-              <a:t>85</a:t>
-            </a:r>
-            <a:r>
-              <a:rPr lang="en" sz="2500" dirty="0" smtClean="0">
-                <a:solidFill>
-                  <a:schemeClr val="dk1"/>
-                </a:solidFill>
-                <a:latin typeface="Fira Sans Condensed SemiBold"/>
-                <a:ea typeface="Fira Sans Condensed SemiBold"/>
-                <a:cs typeface="Fira Sans Condensed SemiBold"/>
-                <a:sym typeface="Fira Sans Condensed SemiBold"/>
-              </a:rPr>
-              <a:t>%</a:t>
+              <a:t>85%</a:t>
             </a:r>
             <a:endParaRPr sz="2500" dirty="0">
               <a:solidFill>
@@ -23815,19 +23698,7 @@
                 <a:cs typeface="Fira Sans Condensed SemiBold"/>
                 <a:sym typeface="Fira Sans Condensed SemiBold"/>
               </a:rPr>
-              <a:t>5</a:t>
-            </a:r>
-            <a:r>
-              <a:rPr lang="en" sz="2500" dirty="0" smtClean="0">
-                <a:solidFill>
-                  <a:schemeClr val="dk1"/>
-                </a:solidFill>
-                <a:latin typeface="Fira Sans Condensed SemiBold"/>
-                <a:ea typeface="Fira Sans Condensed SemiBold"/>
-                <a:cs typeface="Fira Sans Condensed SemiBold"/>
-                <a:sym typeface="Fira Sans Condensed SemiBold"/>
-              </a:rPr>
-              <a:t>%</a:t>
+              <a:t>5%</a:t>
             </a:r>
             <a:endParaRPr sz="2500" dirty="0">
               <a:solidFill>
@@ -25257,3701 +25128,6 @@
 </file>
 
 <file path=ppt/slides/slide7.xml><?xml version="1.0" encoding="utf-8"?>
-<p:sld xmlns:a="http://schemas.openxmlformats.org/drawingml/2006/main" xmlns:r="http://schemas.openxmlformats.org/officeDocument/2006/relationships" xmlns:p="http://schemas.openxmlformats.org/presentationml/2006/main">
-  <p:cSld>
-    <p:spTree>
-      <p:nvGrpSpPr>
-        <p:cNvPr id="1" name="Shape 935"/>
-        <p:cNvGrpSpPr/>
-        <p:nvPr/>
-      </p:nvGrpSpPr>
-      <p:grpSpPr>
-        <a:xfrm>
-          <a:off x="0" y="0"/>
-          <a:ext cx="0" cy="0"/>
-          <a:chOff x="0" y="0"/>
-          <a:chExt cx="0" cy="0"/>
-        </a:xfrm>
-      </p:grpSpPr>
-      <p:sp>
-        <p:nvSpPr>
-          <p:cNvPr id="936" name="Google Shape;936;p46"/>
-          <p:cNvSpPr txBox="1">
-            <a:spLocks noGrp="1"/>
-          </p:cNvSpPr>
-          <p:nvPr>
-            <p:ph type="title"/>
-          </p:nvPr>
-        </p:nvSpPr>
-        <p:spPr>
-          <a:xfrm>
-            <a:off x="457200" y="411475"/>
-            <a:ext cx="8229600" cy="572700"/>
-          </a:xfrm>
-          <a:prstGeom prst="rect">
-            <a:avLst/>
-          </a:prstGeom>
-        </p:spPr>
-        <p:txBody>
-          <a:bodyPr spcFirstLastPara="1" wrap="square" lIns="91425" tIns="91425" rIns="91425" bIns="91425" anchor="t" anchorCtr="0">
-            <a:noAutofit/>
-          </a:bodyPr>
-          <a:lstStyle/>
-          <a:p>
-            <a:pPr marL="0" lvl="0" indent="0" algn="ctr" rtl="0">
-              <a:spcBef>
-                <a:spcPts val="0"/>
-              </a:spcBef>
-              <a:spcAft>
-                <a:spcPts val="0"/>
-              </a:spcAft>
-              <a:buNone/>
-            </a:pPr>
-            <a:r>
-              <a:rPr lang="en" dirty="0" smtClean="0"/>
-              <a:t>Agradecimientos</a:t>
-            </a:r>
-            <a:endParaRPr dirty="0"/>
-          </a:p>
-        </p:txBody>
-      </p:sp>
-      <p:sp>
-        <p:nvSpPr>
-          <p:cNvPr id="939" name="Google Shape;939;p46"/>
-          <p:cNvSpPr txBox="1"/>
-          <p:nvPr/>
-        </p:nvSpPr>
-        <p:spPr>
-          <a:xfrm>
-            <a:off x="1660360" y="1465594"/>
-            <a:ext cx="3014359" cy="342300"/>
-          </a:xfrm>
-          <a:prstGeom prst="rect">
-            <a:avLst/>
-          </a:prstGeom>
-          <a:noFill/>
-          <a:ln>
-            <a:noFill/>
-          </a:ln>
-        </p:spPr>
-        <p:txBody>
-          <a:bodyPr spcFirstLastPara="1" wrap="square" lIns="91425" tIns="91425" rIns="91425" bIns="91425" anchor="ctr" anchorCtr="0">
-            <a:noAutofit/>
-          </a:bodyPr>
-          <a:lstStyle/>
-          <a:p>
-            <a:pPr marL="0" lvl="0" indent="0" algn="l" rtl="0">
-              <a:spcBef>
-                <a:spcPts val="0"/>
-              </a:spcBef>
-              <a:spcAft>
-                <a:spcPts val="0"/>
-              </a:spcAft>
-              <a:buNone/>
-            </a:pPr>
-            <a:r>
-              <a:rPr lang="en" sz="2000" dirty="0" smtClean="0">
-                <a:solidFill>
-                  <a:schemeClr val="dk1"/>
-                </a:solidFill>
-                <a:latin typeface="Fira Sans Extra Condensed SemiBold"/>
-                <a:ea typeface="Fira Sans Extra Condensed SemiBold"/>
-                <a:cs typeface="Fira Sans Extra Condensed SemiBold"/>
-                <a:sym typeface="Fira Sans Extra Condensed SemiBold"/>
-              </a:rPr>
-              <a:t>Yo, Samir</a:t>
-            </a:r>
-            <a:endParaRPr sz="2000" dirty="0">
-              <a:solidFill>
-                <a:schemeClr val="dk1"/>
-              </a:solidFill>
-              <a:latin typeface="Fira Sans Extra Condensed SemiBold"/>
-              <a:ea typeface="Fira Sans Extra Condensed SemiBold"/>
-              <a:cs typeface="Fira Sans Extra Condensed SemiBold"/>
-              <a:sym typeface="Fira Sans Extra Condensed SemiBold"/>
-            </a:endParaRPr>
-          </a:p>
-        </p:txBody>
-      </p:sp>
-      <p:sp>
-        <p:nvSpPr>
-          <p:cNvPr id="942" name="Google Shape;942;p46"/>
-          <p:cNvSpPr txBox="1"/>
-          <p:nvPr/>
-        </p:nvSpPr>
-        <p:spPr>
-          <a:xfrm>
-            <a:off x="1635646" y="3097570"/>
-            <a:ext cx="3014359" cy="342300"/>
-          </a:xfrm>
-          <a:prstGeom prst="rect">
-            <a:avLst/>
-          </a:prstGeom>
-          <a:noFill/>
-          <a:ln>
-            <a:noFill/>
-          </a:ln>
-        </p:spPr>
-        <p:txBody>
-          <a:bodyPr spcFirstLastPara="1" wrap="square" lIns="91425" tIns="91425" rIns="91425" bIns="91425" anchor="ctr" anchorCtr="0">
-            <a:noAutofit/>
-          </a:bodyPr>
-          <a:lstStyle/>
-          <a:p>
-            <a:pPr marL="0" lvl="0" indent="0" algn="l" rtl="0">
-              <a:spcBef>
-                <a:spcPts val="0"/>
-              </a:spcBef>
-              <a:spcAft>
-                <a:spcPts val="0"/>
-              </a:spcAft>
-              <a:buNone/>
-            </a:pPr>
-            <a:r>
-              <a:rPr lang="en" sz="2000" dirty="0" smtClean="0">
-                <a:solidFill>
-                  <a:schemeClr val="dk1"/>
-                </a:solidFill>
-                <a:latin typeface="Fira Sans Extra Condensed SemiBold"/>
-                <a:ea typeface="Fira Sans Extra Condensed SemiBold"/>
-                <a:cs typeface="Fira Sans Extra Condensed SemiBold"/>
-                <a:sym typeface="Fira Sans Extra Condensed SemiBold"/>
-              </a:rPr>
-              <a:t>Stephanie</a:t>
-            </a:r>
-            <a:endParaRPr sz="2000" dirty="0">
-              <a:solidFill>
-                <a:schemeClr val="dk1"/>
-              </a:solidFill>
-              <a:latin typeface="Fira Sans Extra Condensed SemiBold"/>
-              <a:ea typeface="Fira Sans Extra Condensed SemiBold"/>
-              <a:cs typeface="Fira Sans Extra Condensed SemiBold"/>
-              <a:sym typeface="Fira Sans Extra Condensed SemiBold"/>
-            </a:endParaRPr>
-          </a:p>
-        </p:txBody>
-      </p:sp>
-      <p:sp>
-        <p:nvSpPr>
-          <p:cNvPr id="947" name="Google Shape;947;p46"/>
-          <p:cNvSpPr/>
-          <p:nvPr/>
-        </p:nvSpPr>
-        <p:spPr>
-          <a:xfrm>
-            <a:off x="713214" y="2895593"/>
-            <a:ext cx="807700" cy="806275"/>
-          </a:xfrm>
-          <a:custGeom>
-            <a:avLst/>
-            <a:gdLst/>
-            <a:ahLst/>
-            <a:cxnLst/>
-            <a:rect l="l" t="t" r="r" b="b"/>
-            <a:pathLst>
-              <a:path w="32308" h="32251" extrusionOk="0">
-                <a:moveTo>
-                  <a:pt x="16978" y="15"/>
-                </a:moveTo>
-                <a:cubicBezTo>
-                  <a:pt x="20572" y="74"/>
-                  <a:pt x="24019" y="1577"/>
-                  <a:pt x="26523" y="3727"/>
-                </a:cubicBezTo>
-                <a:cubicBezTo>
-                  <a:pt x="29027" y="5878"/>
-                  <a:pt x="31325" y="9530"/>
-                  <a:pt x="32002" y="12918"/>
-                </a:cubicBezTo>
-                <a:cubicBezTo>
-                  <a:pt x="32680" y="16306"/>
-                  <a:pt x="32149" y="21048"/>
-                  <a:pt x="30588" y="24053"/>
-                </a:cubicBezTo>
-                <a:cubicBezTo>
-                  <a:pt x="29027" y="27058"/>
-                  <a:pt x="25963" y="29680"/>
-                  <a:pt x="22634" y="30947"/>
-                </a:cubicBezTo>
-                <a:cubicBezTo>
-                  <a:pt x="19305" y="32214"/>
-                  <a:pt x="14062" y="32715"/>
-                  <a:pt x="10615" y="31654"/>
-                </a:cubicBezTo>
-                <a:cubicBezTo>
-                  <a:pt x="7168" y="30594"/>
-                  <a:pt x="3692" y="27559"/>
-                  <a:pt x="1954" y="24584"/>
-                </a:cubicBezTo>
-                <a:cubicBezTo>
-                  <a:pt x="216" y="21609"/>
-                  <a:pt x="-315" y="17337"/>
-                  <a:pt x="186" y="13802"/>
-                </a:cubicBezTo>
-                <a:cubicBezTo>
-                  <a:pt x="687" y="10267"/>
-                  <a:pt x="2160" y="5671"/>
-                  <a:pt x="4959" y="3373"/>
-                </a:cubicBezTo>
-                <a:cubicBezTo>
-                  <a:pt x="7758" y="1075"/>
-                  <a:pt x="13384" y="-44"/>
-                  <a:pt x="16978" y="15"/>
-                </a:cubicBezTo>
-                <a:close/>
-              </a:path>
-            </a:pathLst>
-          </a:custGeom>
-          <a:solidFill>
-            <a:schemeClr val="lt2"/>
-          </a:solidFill>
-          <a:ln w="19050" cap="flat" cmpd="sng">
-            <a:solidFill>
-              <a:schemeClr val="dk1"/>
-            </a:solidFill>
-            <a:prstDash val="solid"/>
-            <a:round/>
-            <a:headEnd type="none" w="med" len="med"/>
-            <a:tailEnd type="none" w="med" len="med"/>
-          </a:ln>
-        </p:spPr>
-      </p:sp>
-      <p:sp>
-        <p:nvSpPr>
-          <p:cNvPr id="948" name="Google Shape;948;p46"/>
-          <p:cNvSpPr/>
-          <p:nvPr/>
-        </p:nvSpPr>
-        <p:spPr>
-          <a:xfrm>
-            <a:off x="711073" y="1310115"/>
-            <a:ext cx="807700" cy="806275"/>
-          </a:xfrm>
-          <a:custGeom>
-            <a:avLst/>
-            <a:gdLst/>
-            <a:ahLst/>
-            <a:cxnLst/>
-            <a:rect l="l" t="t" r="r" b="b"/>
-            <a:pathLst>
-              <a:path w="32308" h="32251" extrusionOk="0">
-                <a:moveTo>
-                  <a:pt x="16978" y="15"/>
-                </a:moveTo>
-                <a:cubicBezTo>
-                  <a:pt x="20572" y="74"/>
-                  <a:pt x="24019" y="1577"/>
-                  <a:pt x="26523" y="3727"/>
-                </a:cubicBezTo>
-                <a:cubicBezTo>
-                  <a:pt x="29027" y="5878"/>
-                  <a:pt x="31325" y="9530"/>
-                  <a:pt x="32002" y="12918"/>
-                </a:cubicBezTo>
-                <a:cubicBezTo>
-                  <a:pt x="32680" y="16306"/>
-                  <a:pt x="32149" y="21048"/>
-                  <a:pt x="30588" y="24053"/>
-                </a:cubicBezTo>
-                <a:cubicBezTo>
-                  <a:pt x="29027" y="27058"/>
-                  <a:pt x="25963" y="29680"/>
-                  <a:pt x="22634" y="30947"/>
-                </a:cubicBezTo>
-                <a:cubicBezTo>
-                  <a:pt x="19305" y="32214"/>
-                  <a:pt x="14062" y="32715"/>
-                  <a:pt x="10615" y="31654"/>
-                </a:cubicBezTo>
-                <a:cubicBezTo>
-                  <a:pt x="7168" y="30594"/>
-                  <a:pt x="3692" y="27559"/>
-                  <a:pt x="1954" y="24584"/>
-                </a:cubicBezTo>
-                <a:cubicBezTo>
-                  <a:pt x="216" y="21609"/>
-                  <a:pt x="-315" y="17337"/>
-                  <a:pt x="186" y="13802"/>
-                </a:cubicBezTo>
-                <a:cubicBezTo>
-                  <a:pt x="687" y="10267"/>
-                  <a:pt x="2160" y="5671"/>
-                  <a:pt x="4959" y="3373"/>
-                </a:cubicBezTo>
-                <a:cubicBezTo>
-                  <a:pt x="7758" y="1075"/>
-                  <a:pt x="13384" y="-44"/>
-                  <a:pt x="16978" y="15"/>
-                </a:cubicBezTo>
-                <a:close/>
-              </a:path>
-            </a:pathLst>
-          </a:custGeom>
-          <a:solidFill>
-            <a:schemeClr val="accent3"/>
-          </a:solidFill>
-          <a:ln w="19050" cap="flat" cmpd="sng">
-            <a:solidFill>
-              <a:schemeClr val="dk1"/>
-            </a:solidFill>
-            <a:prstDash val="solid"/>
-            <a:round/>
-            <a:headEnd type="none" w="med" len="med"/>
-            <a:tailEnd type="none" w="med" len="med"/>
-          </a:ln>
-        </p:spPr>
-      </p:sp>
-      <p:grpSp>
-        <p:nvGrpSpPr>
-          <p:cNvPr id="949" name="Google Shape;949;p46"/>
-          <p:cNvGrpSpPr/>
-          <p:nvPr/>
-        </p:nvGrpSpPr>
-        <p:grpSpPr>
-          <a:xfrm>
-            <a:off x="895752" y="1515575"/>
-            <a:ext cx="402367" cy="402298"/>
-            <a:chOff x="5053900" y="3804850"/>
-            <a:chExt cx="483150" cy="483125"/>
-          </a:xfrm>
-        </p:grpSpPr>
-        <p:sp>
-          <p:nvSpPr>
-            <p:cNvPr id="950" name="Google Shape;950;p46"/>
-            <p:cNvSpPr/>
-            <p:nvPr/>
-          </p:nvSpPr>
-          <p:spPr>
-            <a:xfrm>
-              <a:off x="5053900" y="3804850"/>
-              <a:ext cx="483150" cy="483125"/>
-            </a:xfrm>
-            <a:custGeom>
-              <a:avLst/>
-              <a:gdLst/>
-              <a:ahLst/>
-              <a:cxnLst/>
-              <a:rect l="l" t="t" r="r" b="b"/>
-              <a:pathLst>
-                <a:path w="19326" h="19325" extrusionOk="0">
-                  <a:moveTo>
-                    <a:pt x="9663" y="1132"/>
-                  </a:moveTo>
-                  <a:cubicBezTo>
-                    <a:pt x="14367" y="1132"/>
-                    <a:pt x="18193" y="4958"/>
-                    <a:pt x="18193" y="9662"/>
-                  </a:cubicBezTo>
-                  <a:cubicBezTo>
-                    <a:pt x="18193" y="14367"/>
-                    <a:pt x="14367" y="18192"/>
-                    <a:pt x="9663" y="18192"/>
-                  </a:cubicBezTo>
-                  <a:cubicBezTo>
-                    <a:pt x="4959" y="18192"/>
-                    <a:pt x="1133" y="14367"/>
-                    <a:pt x="1133" y="9662"/>
-                  </a:cubicBezTo>
-                  <a:cubicBezTo>
-                    <a:pt x="1133" y="4958"/>
-                    <a:pt x="4959" y="1132"/>
-                    <a:pt x="9663" y="1132"/>
-                  </a:cubicBezTo>
-                  <a:close/>
-                  <a:moveTo>
-                    <a:pt x="9663" y="0"/>
-                  </a:moveTo>
-                  <a:cubicBezTo>
-                    <a:pt x="7094" y="0"/>
-                    <a:pt x="4669" y="1009"/>
-                    <a:pt x="2839" y="2838"/>
-                  </a:cubicBezTo>
-                  <a:cubicBezTo>
-                    <a:pt x="1009" y="4668"/>
-                    <a:pt x="1" y="7093"/>
-                    <a:pt x="1" y="9662"/>
-                  </a:cubicBezTo>
-                  <a:cubicBezTo>
-                    <a:pt x="1" y="12232"/>
-                    <a:pt x="1009" y="14657"/>
-                    <a:pt x="2839" y="16486"/>
-                  </a:cubicBezTo>
-                  <a:cubicBezTo>
-                    <a:pt x="4669" y="18316"/>
-                    <a:pt x="7094" y="19325"/>
-                    <a:pt x="9663" y="19325"/>
-                  </a:cubicBezTo>
-                  <a:cubicBezTo>
-                    <a:pt x="12233" y="19325"/>
-                    <a:pt x="14657" y="18316"/>
-                    <a:pt x="16487" y="16486"/>
-                  </a:cubicBezTo>
-                  <a:cubicBezTo>
-                    <a:pt x="18317" y="14657"/>
-                    <a:pt x="19325" y="12232"/>
-                    <a:pt x="19325" y="9662"/>
-                  </a:cubicBezTo>
-                  <a:cubicBezTo>
-                    <a:pt x="19325" y="7093"/>
-                    <a:pt x="18317" y="4668"/>
-                    <a:pt x="16487" y="2838"/>
-                  </a:cubicBezTo>
-                  <a:cubicBezTo>
-                    <a:pt x="14657" y="1009"/>
-                    <a:pt x="12233" y="0"/>
-                    <a:pt x="9663" y="0"/>
-                  </a:cubicBezTo>
-                  <a:close/>
-                </a:path>
-              </a:pathLst>
-            </a:custGeom>
-            <a:solidFill>
-              <a:schemeClr val="dk1"/>
-            </a:solidFill>
-            <a:ln>
-              <a:noFill/>
-            </a:ln>
-          </p:spPr>
-          <p:txBody>
-            <a:bodyPr spcFirstLastPara="1" wrap="square" lIns="91425" tIns="91425" rIns="91425" bIns="91425" anchor="ctr" anchorCtr="0">
-              <a:noAutofit/>
-            </a:bodyPr>
-            <a:lstStyle/>
-            <a:p>
-              <a:pPr marL="0" lvl="0" indent="0" algn="l" rtl="0">
-                <a:spcBef>
-                  <a:spcPts val="0"/>
-                </a:spcBef>
-                <a:spcAft>
-                  <a:spcPts val="0"/>
-                </a:spcAft>
-                <a:buNone/>
-              </a:pPr>
-              <a:endParaRPr>
-                <a:solidFill>
-                  <a:srgbClr val="435D74"/>
-                </a:solidFill>
-              </a:endParaRPr>
-            </a:p>
-          </p:txBody>
-        </p:sp>
-        <p:sp>
-          <p:nvSpPr>
-            <p:cNvPr id="951" name="Google Shape;951;p46"/>
-            <p:cNvSpPr/>
-            <p:nvPr/>
-          </p:nvSpPr>
-          <p:spPr>
-            <a:xfrm>
-              <a:off x="5168125" y="3947300"/>
-              <a:ext cx="88275" cy="85000"/>
-            </a:xfrm>
-            <a:custGeom>
-              <a:avLst/>
-              <a:gdLst/>
-              <a:ahLst/>
-              <a:cxnLst/>
-              <a:rect l="l" t="t" r="r" b="b"/>
-              <a:pathLst>
-                <a:path w="3531" h="3400" extrusionOk="0">
-                  <a:moveTo>
-                    <a:pt x="1697" y="1135"/>
-                  </a:moveTo>
-                  <a:cubicBezTo>
-                    <a:pt x="2202" y="1135"/>
-                    <a:pt x="2455" y="1742"/>
-                    <a:pt x="2099" y="2101"/>
-                  </a:cubicBezTo>
-                  <a:cubicBezTo>
-                    <a:pt x="1983" y="2216"/>
-                    <a:pt x="1841" y="2268"/>
-                    <a:pt x="1702" y="2268"/>
-                  </a:cubicBezTo>
-                  <a:cubicBezTo>
-                    <a:pt x="1411" y="2268"/>
-                    <a:pt x="1133" y="2041"/>
-                    <a:pt x="1133" y="1700"/>
-                  </a:cubicBezTo>
-                  <a:cubicBezTo>
-                    <a:pt x="1133" y="1386"/>
-                    <a:pt x="1383" y="1135"/>
-                    <a:pt x="1697" y="1135"/>
-                  </a:cubicBezTo>
-                  <a:close/>
-                  <a:moveTo>
-                    <a:pt x="1697" y="0"/>
-                  </a:moveTo>
-                  <a:cubicBezTo>
-                    <a:pt x="1479" y="0"/>
-                    <a:pt x="1258" y="43"/>
-                    <a:pt x="1048" y="130"/>
-                  </a:cubicBezTo>
-                  <a:cubicBezTo>
-                    <a:pt x="414" y="392"/>
-                    <a:pt x="0" y="1011"/>
-                    <a:pt x="0" y="1700"/>
-                  </a:cubicBezTo>
-                  <a:cubicBezTo>
-                    <a:pt x="0" y="2639"/>
-                    <a:pt x="758" y="3397"/>
-                    <a:pt x="1697" y="3400"/>
-                  </a:cubicBezTo>
-                  <a:cubicBezTo>
-                    <a:pt x="2386" y="3400"/>
-                    <a:pt x="3005" y="2983"/>
-                    <a:pt x="3267" y="2349"/>
-                  </a:cubicBezTo>
-                  <a:cubicBezTo>
-                    <a:pt x="3530" y="1715"/>
-                    <a:pt x="3385" y="984"/>
-                    <a:pt x="2899" y="498"/>
-                  </a:cubicBezTo>
-                  <a:cubicBezTo>
-                    <a:pt x="2574" y="173"/>
-                    <a:pt x="2139" y="0"/>
-                    <a:pt x="1697" y="0"/>
-                  </a:cubicBezTo>
-                  <a:close/>
-                </a:path>
-              </a:pathLst>
-            </a:custGeom>
-            <a:solidFill>
-              <a:schemeClr val="dk1"/>
-            </a:solidFill>
-            <a:ln>
-              <a:noFill/>
-            </a:ln>
-          </p:spPr>
-          <p:txBody>
-            <a:bodyPr spcFirstLastPara="1" wrap="square" lIns="91425" tIns="91425" rIns="91425" bIns="91425" anchor="ctr" anchorCtr="0">
-              <a:noAutofit/>
-            </a:bodyPr>
-            <a:lstStyle/>
-            <a:p>
-              <a:pPr marL="0" lvl="0" indent="0" algn="l" rtl="0">
-                <a:spcBef>
-                  <a:spcPts val="0"/>
-                </a:spcBef>
-                <a:spcAft>
-                  <a:spcPts val="0"/>
-                </a:spcAft>
-                <a:buNone/>
-              </a:pPr>
-              <a:endParaRPr>
-                <a:solidFill>
-                  <a:srgbClr val="435D74"/>
-                </a:solidFill>
-              </a:endParaRPr>
-            </a:p>
-          </p:txBody>
-        </p:sp>
-        <p:sp>
-          <p:nvSpPr>
-            <p:cNvPr id="952" name="Google Shape;952;p46"/>
-            <p:cNvSpPr/>
-            <p:nvPr/>
-          </p:nvSpPr>
-          <p:spPr>
-            <a:xfrm>
-              <a:off x="5334575" y="3947350"/>
-              <a:ext cx="88325" cy="84950"/>
-            </a:xfrm>
-            <a:custGeom>
-              <a:avLst/>
-              <a:gdLst/>
-              <a:ahLst/>
-              <a:cxnLst/>
-              <a:rect l="l" t="t" r="r" b="b"/>
-              <a:pathLst>
-                <a:path w="3533" h="3398" extrusionOk="0">
-                  <a:moveTo>
-                    <a:pt x="1829" y="1130"/>
-                  </a:moveTo>
-                  <a:cubicBezTo>
-                    <a:pt x="2121" y="1130"/>
-                    <a:pt x="2401" y="1356"/>
-                    <a:pt x="2401" y="1698"/>
-                  </a:cubicBezTo>
-                  <a:cubicBezTo>
-                    <a:pt x="2401" y="2012"/>
-                    <a:pt x="2147" y="2265"/>
-                    <a:pt x="1833" y="2265"/>
-                  </a:cubicBezTo>
-                  <a:cubicBezTo>
-                    <a:pt x="1329" y="2265"/>
-                    <a:pt x="1075" y="1656"/>
-                    <a:pt x="1431" y="1296"/>
-                  </a:cubicBezTo>
-                  <a:cubicBezTo>
-                    <a:pt x="1547" y="1181"/>
-                    <a:pt x="1690" y="1130"/>
-                    <a:pt x="1829" y="1130"/>
-                  </a:cubicBezTo>
-                  <a:close/>
-                  <a:moveTo>
-                    <a:pt x="1833" y="1"/>
-                  </a:moveTo>
-                  <a:cubicBezTo>
-                    <a:pt x="1145" y="1"/>
-                    <a:pt x="526" y="415"/>
-                    <a:pt x="263" y="1049"/>
-                  </a:cubicBezTo>
-                  <a:cubicBezTo>
-                    <a:pt x="0" y="1683"/>
-                    <a:pt x="145" y="2413"/>
-                    <a:pt x="631" y="2900"/>
-                  </a:cubicBezTo>
-                  <a:cubicBezTo>
-                    <a:pt x="956" y="3225"/>
-                    <a:pt x="1391" y="3397"/>
-                    <a:pt x="1833" y="3397"/>
-                  </a:cubicBezTo>
-                  <a:cubicBezTo>
-                    <a:pt x="2052" y="3397"/>
-                    <a:pt x="2272" y="3355"/>
-                    <a:pt x="2482" y="3268"/>
-                  </a:cubicBezTo>
-                  <a:cubicBezTo>
-                    <a:pt x="3116" y="3005"/>
-                    <a:pt x="3533" y="2386"/>
-                    <a:pt x="3533" y="1698"/>
-                  </a:cubicBezTo>
-                  <a:cubicBezTo>
-                    <a:pt x="3530" y="759"/>
-                    <a:pt x="2772" y="1"/>
-                    <a:pt x="1833" y="1"/>
-                  </a:cubicBezTo>
-                  <a:close/>
-                </a:path>
-              </a:pathLst>
-            </a:custGeom>
-            <a:solidFill>
-              <a:schemeClr val="dk1"/>
-            </a:solidFill>
-            <a:ln>
-              <a:noFill/>
-            </a:ln>
-          </p:spPr>
-          <p:txBody>
-            <a:bodyPr spcFirstLastPara="1" wrap="square" lIns="91425" tIns="91425" rIns="91425" bIns="91425" anchor="ctr" anchorCtr="0">
-              <a:noAutofit/>
-            </a:bodyPr>
-            <a:lstStyle/>
-            <a:p>
-              <a:pPr marL="0" lvl="0" indent="0" algn="l" rtl="0">
-                <a:spcBef>
-                  <a:spcPts val="0"/>
-                </a:spcBef>
-                <a:spcAft>
-                  <a:spcPts val="0"/>
-                </a:spcAft>
-                <a:buNone/>
-              </a:pPr>
-              <a:endParaRPr>
-                <a:solidFill>
-                  <a:srgbClr val="435D74"/>
-                </a:solidFill>
-              </a:endParaRPr>
-            </a:p>
-          </p:txBody>
-        </p:sp>
-        <p:sp>
-          <p:nvSpPr>
-            <p:cNvPr id="953" name="Google Shape;953;p46"/>
-            <p:cNvSpPr/>
-            <p:nvPr/>
-          </p:nvSpPr>
-          <p:spPr>
-            <a:xfrm>
-              <a:off x="5170150" y="4060600"/>
-              <a:ext cx="250650" cy="113225"/>
-            </a:xfrm>
-            <a:custGeom>
-              <a:avLst/>
-              <a:gdLst/>
-              <a:ahLst/>
-              <a:cxnLst/>
-              <a:rect l="l" t="t" r="r" b="b"/>
-              <a:pathLst>
-                <a:path w="10026" h="4529" extrusionOk="0">
-                  <a:moveTo>
-                    <a:pt x="5006" y="0"/>
-                  </a:moveTo>
-                  <a:cubicBezTo>
-                    <a:pt x="2684" y="0"/>
-                    <a:pt x="659" y="1572"/>
-                    <a:pt x="79" y="3820"/>
-                  </a:cubicBezTo>
-                  <a:cubicBezTo>
-                    <a:pt x="1" y="4125"/>
-                    <a:pt x="182" y="4433"/>
-                    <a:pt x="487" y="4511"/>
-                  </a:cubicBezTo>
-                  <a:cubicBezTo>
-                    <a:pt x="533" y="4523"/>
-                    <a:pt x="580" y="4528"/>
-                    <a:pt x="625" y="4528"/>
-                  </a:cubicBezTo>
-                  <a:cubicBezTo>
-                    <a:pt x="878" y="4528"/>
-                    <a:pt x="1109" y="4359"/>
-                    <a:pt x="1175" y="4103"/>
-                  </a:cubicBezTo>
-                  <a:cubicBezTo>
-                    <a:pt x="1625" y="2352"/>
-                    <a:pt x="3205" y="1126"/>
-                    <a:pt x="5013" y="1126"/>
-                  </a:cubicBezTo>
-                  <a:cubicBezTo>
-                    <a:pt x="6822" y="1126"/>
-                    <a:pt x="8401" y="2352"/>
-                    <a:pt x="8851" y="4103"/>
-                  </a:cubicBezTo>
-                  <a:cubicBezTo>
-                    <a:pt x="8917" y="4359"/>
-                    <a:pt x="9148" y="4528"/>
-                    <a:pt x="9401" y="4528"/>
-                  </a:cubicBezTo>
-                  <a:cubicBezTo>
-                    <a:pt x="9447" y="4528"/>
-                    <a:pt x="9493" y="4523"/>
-                    <a:pt x="9539" y="4511"/>
-                  </a:cubicBezTo>
-                  <a:cubicBezTo>
-                    <a:pt x="9844" y="4433"/>
-                    <a:pt x="10025" y="4125"/>
-                    <a:pt x="9947" y="3820"/>
-                  </a:cubicBezTo>
-                  <a:cubicBezTo>
-                    <a:pt x="9368" y="1572"/>
-                    <a:pt x="7342" y="0"/>
-                    <a:pt x="5020" y="0"/>
-                  </a:cubicBezTo>
-                  <a:cubicBezTo>
-                    <a:pt x="5018" y="0"/>
-                    <a:pt x="5015" y="0"/>
-                    <a:pt x="5013" y="0"/>
-                  </a:cubicBezTo>
-                  <a:cubicBezTo>
-                    <a:pt x="5011" y="0"/>
-                    <a:pt x="5009" y="0"/>
-                    <a:pt x="5006" y="0"/>
-                  </a:cubicBezTo>
-                  <a:close/>
-                </a:path>
-              </a:pathLst>
-            </a:custGeom>
-            <a:solidFill>
-              <a:schemeClr val="dk1"/>
-            </a:solidFill>
-            <a:ln>
-              <a:noFill/>
-            </a:ln>
-          </p:spPr>
-          <p:txBody>
-            <a:bodyPr spcFirstLastPara="1" wrap="square" lIns="91425" tIns="91425" rIns="91425" bIns="91425" anchor="ctr" anchorCtr="0">
-              <a:noAutofit/>
-            </a:bodyPr>
-            <a:lstStyle/>
-            <a:p>
-              <a:pPr marL="0" lvl="0" indent="0" algn="l" rtl="0">
-                <a:spcBef>
-                  <a:spcPts val="0"/>
-                </a:spcBef>
-                <a:spcAft>
-                  <a:spcPts val="0"/>
-                </a:spcAft>
-                <a:buNone/>
-              </a:pPr>
-              <a:endParaRPr>
-                <a:solidFill>
-                  <a:srgbClr val="435D74"/>
-                </a:solidFill>
-              </a:endParaRPr>
-            </a:p>
-          </p:txBody>
-        </p:sp>
-      </p:grpSp>
-      <p:grpSp>
-        <p:nvGrpSpPr>
-          <p:cNvPr id="954" name="Google Shape;954;p46"/>
-          <p:cNvGrpSpPr/>
-          <p:nvPr/>
-        </p:nvGrpSpPr>
-        <p:grpSpPr>
-          <a:xfrm>
-            <a:off x="928325" y="3067571"/>
-            <a:ext cx="402346" cy="402298"/>
-            <a:chOff x="5648375" y="3804850"/>
-            <a:chExt cx="483125" cy="483125"/>
-          </a:xfrm>
-        </p:grpSpPr>
-        <p:sp>
-          <p:nvSpPr>
-            <p:cNvPr id="955" name="Google Shape;955;p46"/>
-            <p:cNvSpPr/>
-            <p:nvPr/>
-          </p:nvSpPr>
-          <p:spPr>
-            <a:xfrm>
-              <a:off x="5648375" y="3804850"/>
-              <a:ext cx="483125" cy="483125"/>
-            </a:xfrm>
-            <a:custGeom>
-              <a:avLst/>
-              <a:gdLst/>
-              <a:ahLst/>
-              <a:cxnLst/>
-              <a:rect l="l" t="t" r="r" b="b"/>
-              <a:pathLst>
-                <a:path w="19325" h="19325" extrusionOk="0">
-                  <a:moveTo>
-                    <a:pt x="9662" y="1132"/>
-                  </a:moveTo>
-                  <a:cubicBezTo>
-                    <a:pt x="14367" y="1132"/>
-                    <a:pt x="18192" y="4958"/>
-                    <a:pt x="18192" y="9662"/>
-                  </a:cubicBezTo>
-                  <a:cubicBezTo>
-                    <a:pt x="18192" y="14367"/>
-                    <a:pt x="14367" y="18192"/>
-                    <a:pt x="9662" y="18192"/>
-                  </a:cubicBezTo>
-                  <a:cubicBezTo>
-                    <a:pt x="4958" y="18192"/>
-                    <a:pt x="1132" y="14367"/>
-                    <a:pt x="1132" y="9662"/>
-                  </a:cubicBezTo>
-                  <a:cubicBezTo>
-                    <a:pt x="1132" y="4958"/>
-                    <a:pt x="4958" y="1132"/>
-                    <a:pt x="9662" y="1132"/>
-                  </a:cubicBezTo>
-                  <a:close/>
-                  <a:moveTo>
-                    <a:pt x="9662" y="0"/>
-                  </a:moveTo>
-                  <a:cubicBezTo>
-                    <a:pt x="7093" y="0"/>
-                    <a:pt x="4668" y="1009"/>
-                    <a:pt x="2838" y="2838"/>
-                  </a:cubicBezTo>
-                  <a:cubicBezTo>
-                    <a:pt x="1009" y="4668"/>
-                    <a:pt x="0" y="7093"/>
-                    <a:pt x="0" y="9662"/>
-                  </a:cubicBezTo>
-                  <a:cubicBezTo>
-                    <a:pt x="0" y="12232"/>
-                    <a:pt x="1009" y="14657"/>
-                    <a:pt x="2838" y="16486"/>
-                  </a:cubicBezTo>
-                  <a:cubicBezTo>
-                    <a:pt x="4668" y="18316"/>
-                    <a:pt x="7093" y="19325"/>
-                    <a:pt x="9662" y="19325"/>
-                  </a:cubicBezTo>
-                  <a:cubicBezTo>
-                    <a:pt x="12232" y="19325"/>
-                    <a:pt x="14656" y="18316"/>
-                    <a:pt x="16486" y="16486"/>
-                  </a:cubicBezTo>
-                  <a:cubicBezTo>
-                    <a:pt x="18316" y="14657"/>
-                    <a:pt x="19325" y="12232"/>
-                    <a:pt x="19325" y="9662"/>
-                  </a:cubicBezTo>
-                  <a:cubicBezTo>
-                    <a:pt x="19325" y="7093"/>
-                    <a:pt x="18316" y="4668"/>
-                    <a:pt x="16486" y="2838"/>
-                  </a:cubicBezTo>
-                  <a:cubicBezTo>
-                    <a:pt x="14656" y="1009"/>
-                    <a:pt x="12232" y="0"/>
-                    <a:pt x="9662" y="0"/>
-                  </a:cubicBezTo>
-                  <a:close/>
-                </a:path>
-              </a:pathLst>
-            </a:custGeom>
-            <a:solidFill>
-              <a:schemeClr val="dk1"/>
-            </a:solidFill>
-            <a:ln>
-              <a:noFill/>
-            </a:ln>
-          </p:spPr>
-          <p:txBody>
-            <a:bodyPr spcFirstLastPara="1" wrap="square" lIns="91425" tIns="91425" rIns="91425" bIns="91425" anchor="ctr" anchorCtr="0">
-              <a:noAutofit/>
-            </a:bodyPr>
-            <a:lstStyle/>
-            <a:p>
-              <a:pPr marL="0" lvl="0" indent="0" algn="l" rtl="0">
-                <a:spcBef>
-                  <a:spcPts val="0"/>
-                </a:spcBef>
-                <a:spcAft>
-                  <a:spcPts val="0"/>
-                </a:spcAft>
-                <a:buNone/>
-              </a:pPr>
-              <a:endParaRPr>
-                <a:solidFill>
-                  <a:srgbClr val="435D74"/>
-                </a:solidFill>
-              </a:endParaRPr>
-            </a:p>
-          </p:txBody>
-        </p:sp>
-        <p:sp>
-          <p:nvSpPr>
-            <p:cNvPr id="956" name="Google Shape;956;p46"/>
-            <p:cNvSpPr/>
-            <p:nvPr/>
-          </p:nvSpPr>
-          <p:spPr>
-            <a:xfrm>
-              <a:off x="5762575" y="3947300"/>
-              <a:ext cx="88275" cy="85000"/>
-            </a:xfrm>
-            <a:custGeom>
-              <a:avLst/>
-              <a:gdLst/>
-              <a:ahLst/>
-              <a:cxnLst/>
-              <a:rect l="l" t="t" r="r" b="b"/>
-              <a:pathLst>
-                <a:path w="3531" h="3400" extrusionOk="0">
-                  <a:moveTo>
-                    <a:pt x="1697" y="1135"/>
-                  </a:moveTo>
-                  <a:cubicBezTo>
-                    <a:pt x="2202" y="1135"/>
-                    <a:pt x="2455" y="1742"/>
-                    <a:pt x="2099" y="2101"/>
-                  </a:cubicBezTo>
-                  <a:cubicBezTo>
-                    <a:pt x="1983" y="2216"/>
-                    <a:pt x="1841" y="2268"/>
-                    <a:pt x="1702" y="2268"/>
-                  </a:cubicBezTo>
-                  <a:cubicBezTo>
-                    <a:pt x="1411" y="2268"/>
-                    <a:pt x="1133" y="2041"/>
-                    <a:pt x="1133" y="1700"/>
-                  </a:cubicBezTo>
-                  <a:cubicBezTo>
-                    <a:pt x="1133" y="1386"/>
-                    <a:pt x="1383" y="1135"/>
-                    <a:pt x="1697" y="1135"/>
-                  </a:cubicBezTo>
-                  <a:close/>
-                  <a:moveTo>
-                    <a:pt x="1698" y="0"/>
-                  </a:moveTo>
-                  <a:cubicBezTo>
-                    <a:pt x="1479" y="0"/>
-                    <a:pt x="1258" y="43"/>
-                    <a:pt x="1048" y="130"/>
-                  </a:cubicBezTo>
-                  <a:cubicBezTo>
-                    <a:pt x="414" y="392"/>
-                    <a:pt x="1" y="1011"/>
-                    <a:pt x="1" y="1700"/>
-                  </a:cubicBezTo>
-                  <a:cubicBezTo>
-                    <a:pt x="1" y="2639"/>
-                    <a:pt x="758" y="3397"/>
-                    <a:pt x="1697" y="3400"/>
-                  </a:cubicBezTo>
-                  <a:cubicBezTo>
-                    <a:pt x="2386" y="3400"/>
-                    <a:pt x="3005" y="2983"/>
-                    <a:pt x="3268" y="2349"/>
-                  </a:cubicBezTo>
-                  <a:cubicBezTo>
-                    <a:pt x="3530" y="1715"/>
-                    <a:pt x="3385" y="984"/>
-                    <a:pt x="2899" y="498"/>
-                  </a:cubicBezTo>
-                  <a:cubicBezTo>
-                    <a:pt x="2574" y="173"/>
-                    <a:pt x="2139" y="0"/>
-                    <a:pt x="1698" y="0"/>
-                  </a:cubicBezTo>
-                  <a:close/>
-                </a:path>
-              </a:pathLst>
-            </a:custGeom>
-            <a:solidFill>
-              <a:schemeClr val="dk1"/>
-            </a:solidFill>
-            <a:ln>
-              <a:noFill/>
-            </a:ln>
-          </p:spPr>
-          <p:txBody>
-            <a:bodyPr spcFirstLastPara="1" wrap="square" lIns="91425" tIns="91425" rIns="91425" bIns="91425" anchor="ctr" anchorCtr="0">
-              <a:noAutofit/>
-            </a:bodyPr>
-            <a:lstStyle/>
-            <a:p>
-              <a:pPr marL="0" lvl="0" indent="0" algn="l" rtl="0">
-                <a:spcBef>
-                  <a:spcPts val="0"/>
-                </a:spcBef>
-                <a:spcAft>
-                  <a:spcPts val="0"/>
-                </a:spcAft>
-                <a:buNone/>
-              </a:pPr>
-              <a:endParaRPr>
-                <a:solidFill>
-                  <a:srgbClr val="435D74"/>
-                </a:solidFill>
-              </a:endParaRPr>
-            </a:p>
-          </p:txBody>
-        </p:sp>
-        <p:sp>
-          <p:nvSpPr>
-            <p:cNvPr id="957" name="Google Shape;957;p46"/>
-            <p:cNvSpPr/>
-            <p:nvPr/>
-          </p:nvSpPr>
-          <p:spPr>
-            <a:xfrm>
-              <a:off x="5932425" y="3947300"/>
-              <a:ext cx="88250" cy="85000"/>
-            </a:xfrm>
-            <a:custGeom>
-              <a:avLst/>
-              <a:gdLst/>
-              <a:ahLst/>
-              <a:cxnLst/>
-              <a:rect l="l" t="t" r="r" b="b"/>
-              <a:pathLst>
-                <a:path w="3530" h="3400" extrusionOk="0">
-                  <a:moveTo>
-                    <a:pt x="1697" y="1135"/>
-                  </a:moveTo>
-                  <a:cubicBezTo>
-                    <a:pt x="2201" y="1135"/>
-                    <a:pt x="2455" y="1742"/>
-                    <a:pt x="2099" y="2101"/>
-                  </a:cubicBezTo>
-                  <a:cubicBezTo>
-                    <a:pt x="1983" y="2216"/>
-                    <a:pt x="1841" y="2268"/>
-                    <a:pt x="1702" y="2268"/>
-                  </a:cubicBezTo>
-                  <a:cubicBezTo>
-                    <a:pt x="1411" y="2268"/>
-                    <a:pt x="1133" y="2041"/>
-                    <a:pt x="1133" y="1700"/>
-                  </a:cubicBezTo>
-                  <a:cubicBezTo>
-                    <a:pt x="1133" y="1386"/>
-                    <a:pt x="1383" y="1135"/>
-                    <a:pt x="1697" y="1135"/>
-                  </a:cubicBezTo>
-                  <a:close/>
-                  <a:moveTo>
-                    <a:pt x="1697" y="0"/>
-                  </a:moveTo>
-                  <a:cubicBezTo>
-                    <a:pt x="1479" y="0"/>
-                    <a:pt x="1258" y="43"/>
-                    <a:pt x="1048" y="130"/>
-                  </a:cubicBezTo>
-                  <a:cubicBezTo>
-                    <a:pt x="414" y="392"/>
-                    <a:pt x="0" y="1011"/>
-                    <a:pt x="0" y="1700"/>
-                  </a:cubicBezTo>
-                  <a:cubicBezTo>
-                    <a:pt x="0" y="2639"/>
-                    <a:pt x="758" y="3397"/>
-                    <a:pt x="1697" y="3400"/>
-                  </a:cubicBezTo>
-                  <a:cubicBezTo>
-                    <a:pt x="2386" y="3400"/>
-                    <a:pt x="3005" y="2983"/>
-                    <a:pt x="3267" y="2349"/>
-                  </a:cubicBezTo>
-                  <a:cubicBezTo>
-                    <a:pt x="3530" y="1715"/>
-                    <a:pt x="3385" y="984"/>
-                    <a:pt x="2899" y="498"/>
-                  </a:cubicBezTo>
-                  <a:cubicBezTo>
-                    <a:pt x="2574" y="173"/>
-                    <a:pt x="2139" y="0"/>
-                    <a:pt x="1697" y="0"/>
-                  </a:cubicBezTo>
-                  <a:close/>
-                </a:path>
-              </a:pathLst>
-            </a:custGeom>
-            <a:solidFill>
-              <a:schemeClr val="dk1"/>
-            </a:solidFill>
-            <a:ln>
-              <a:noFill/>
-            </a:ln>
-          </p:spPr>
-          <p:txBody>
-            <a:bodyPr spcFirstLastPara="1" wrap="square" lIns="91425" tIns="91425" rIns="91425" bIns="91425" anchor="ctr" anchorCtr="0">
-              <a:noAutofit/>
-            </a:bodyPr>
-            <a:lstStyle/>
-            <a:p>
-              <a:pPr marL="0" lvl="0" indent="0" algn="l" rtl="0">
-                <a:spcBef>
-                  <a:spcPts val="0"/>
-                </a:spcBef>
-                <a:spcAft>
-                  <a:spcPts val="0"/>
-                </a:spcAft>
-                <a:buNone/>
-              </a:pPr>
-              <a:endParaRPr>
-                <a:solidFill>
-                  <a:srgbClr val="435D74"/>
-                </a:solidFill>
-              </a:endParaRPr>
-            </a:p>
-          </p:txBody>
-        </p:sp>
-        <p:sp>
-          <p:nvSpPr>
-            <p:cNvPr id="958" name="Google Shape;958;p46"/>
-            <p:cNvSpPr/>
-            <p:nvPr/>
-          </p:nvSpPr>
-          <p:spPr>
-            <a:xfrm>
-              <a:off x="5762575" y="4060600"/>
-              <a:ext cx="254800" cy="141550"/>
-            </a:xfrm>
-            <a:custGeom>
-              <a:avLst/>
-              <a:gdLst/>
-              <a:ahLst/>
-              <a:cxnLst/>
-              <a:rect l="l" t="t" r="r" b="b"/>
-              <a:pathLst>
-                <a:path w="10192" h="5662" extrusionOk="0">
-                  <a:moveTo>
-                    <a:pt x="9017" y="1132"/>
-                  </a:moveTo>
-                  <a:cubicBezTo>
-                    <a:pt x="8736" y="3083"/>
-                    <a:pt x="7066" y="4529"/>
-                    <a:pt x="5094" y="4529"/>
-                  </a:cubicBezTo>
-                  <a:cubicBezTo>
-                    <a:pt x="3123" y="4529"/>
-                    <a:pt x="1453" y="3083"/>
-                    <a:pt x="1172" y="1132"/>
-                  </a:cubicBezTo>
-                  <a:close/>
-                  <a:moveTo>
-                    <a:pt x="565" y="0"/>
-                  </a:moveTo>
-                  <a:cubicBezTo>
-                    <a:pt x="251" y="0"/>
-                    <a:pt x="1" y="251"/>
-                    <a:pt x="1" y="565"/>
-                  </a:cubicBezTo>
-                  <a:cubicBezTo>
-                    <a:pt x="1" y="3373"/>
-                    <a:pt x="2286" y="5662"/>
-                    <a:pt x="5094" y="5662"/>
-                  </a:cubicBezTo>
-                  <a:cubicBezTo>
-                    <a:pt x="7905" y="5662"/>
-                    <a:pt x="10191" y="3373"/>
-                    <a:pt x="10191" y="565"/>
-                  </a:cubicBezTo>
-                  <a:cubicBezTo>
-                    <a:pt x="10191" y="251"/>
-                    <a:pt x="9938" y="0"/>
-                    <a:pt x="9623" y="0"/>
-                  </a:cubicBezTo>
-                  <a:close/>
-                </a:path>
-              </a:pathLst>
-            </a:custGeom>
-            <a:solidFill>
-              <a:schemeClr val="dk1"/>
-            </a:solidFill>
-            <a:ln>
-              <a:noFill/>
-            </a:ln>
-          </p:spPr>
-          <p:txBody>
-            <a:bodyPr spcFirstLastPara="1" wrap="square" lIns="91425" tIns="91425" rIns="91425" bIns="91425" anchor="ctr" anchorCtr="0">
-              <a:noAutofit/>
-            </a:bodyPr>
-            <a:lstStyle/>
-            <a:p>
-              <a:pPr marL="0" lvl="0" indent="0" algn="l" rtl="0">
-                <a:spcBef>
-                  <a:spcPts val="0"/>
-                </a:spcBef>
-                <a:spcAft>
-                  <a:spcPts val="0"/>
-                </a:spcAft>
-                <a:buNone/>
-              </a:pPr>
-              <a:endParaRPr>
-                <a:solidFill>
-                  <a:srgbClr val="435D74"/>
-                </a:solidFill>
-              </a:endParaRPr>
-            </a:p>
-          </p:txBody>
-        </p:sp>
-      </p:grpSp>
-      <p:sp>
-        <p:nvSpPr>
-          <p:cNvPr id="964" name="Google Shape;964;p46"/>
-          <p:cNvSpPr/>
-          <p:nvPr/>
-        </p:nvSpPr>
-        <p:spPr>
-          <a:xfrm>
-            <a:off x="5826082" y="1590378"/>
-            <a:ext cx="1392600" cy="1392600"/>
-          </a:xfrm>
-          <a:prstGeom prst="ellipse">
-            <a:avLst/>
-          </a:prstGeom>
-          <a:solidFill>
-            <a:schemeClr val="accent1"/>
-          </a:solidFill>
-          <a:ln>
-            <a:noFill/>
-          </a:ln>
-        </p:spPr>
-        <p:txBody>
-          <a:bodyPr spcFirstLastPara="1" wrap="square" lIns="91425" tIns="91425" rIns="91425" bIns="91425" anchor="ctr" anchorCtr="0">
-            <a:noAutofit/>
-          </a:bodyPr>
-          <a:lstStyle/>
-          <a:p>
-            <a:pPr marL="0" lvl="0" indent="0" algn="l" rtl="0">
-              <a:spcBef>
-                <a:spcPts val="0"/>
-              </a:spcBef>
-              <a:spcAft>
-                <a:spcPts val="0"/>
-              </a:spcAft>
-              <a:buNone/>
-            </a:pPr>
-            <a:endParaRPr/>
-          </a:p>
-        </p:txBody>
-      </p:sp>
-      <p:sp>
-        <p:nvSpPr>
-          <p:cNvPr id="965" name="Google Shape;965;p46"/>
-          <p:cNvSpPr/>
-          <p:nvPr/>
-        </p:nvSpPr>
-        <p:spPr>
-          <a:xfrm>
-            <a:off x="5826082" y="1590378"/>
-            <a:ext cx="1392600" cy="1392600"/>
-          </a:xfrm>
-          <a:prstGeom prst="pie">
-            <a:avLst>
-              <a:gd name="adj1" fmla="val 16304128"/>
-              <a:gd name="adj2" fmla="val 15258623"/>
-            </a:avLst>
-          </a:prstGeom>
-          <a:solidFill>
-            <a:schemeClr val="accent2"/>
-          </a:solidFill>
-          <a:ln>
-            <a:noFill/>
-          </a:ln>
-        </p:spPr>
-        <p:txBody>
-          <a:bodyPr spcFirstLastPara="1" wrap="square" lIns="91425" tIns="91425" rIns="91425" bIns="91425" anchor="ctr" anchorCtr="0">
-            <a:noAutofit/>
-          </a:bodyPr>
-          <a:lstStyle/>
-          <a:p>
-            <a:pPr marL="0" lvl="0" indent="0" algn="l" rtl="0">
-              <a:spcBef>
-                <a:spcPts val="0"/>
-              </a:spcBef>
-              <a:spcAft>
-                <a:spcPts val="0"/>
-              </a:spcAft>
-              <a:buNone/>
-            </a:pPr>
-            <a:endParaRPr/>
-          </a:p>
-        </p:txBody>
-      </p:sp>
-      <p:sp>
-        <p:nvSpPr>
-          <p:cNvPr id="966" name="Google Shape;966;p46"/>
-          <p:cNvSpPr/>
-          <p:nvPr/>
-        </p:nvSpPr>
-        <p:spPr>
-          <a:xfrm>
-            <a:off x="5845129" y="1580093"/>
-            <a:ext cx="1354028" cy="1392598"/>
-          </a:xfrm>
-          <a:custGeom>
-            <a:avLst/>
-            <a:gdLst/>
-            <a:ahLst/>
-            <a:cxnLst/>
-            <a:rect l="l" t="t" r="r" b="b"/>
-            <a:pathLst>
-              <a:path w="32308" h="32251" extrusionOk="0">
-                <a:moveTo>
-                  <a:pt x="16978" y="15"/>
-                </a:moveTo>
-                <a:cubicBezTo>
-                  <a:pt x="20572" y="74"/>
-                  <a:pt x="24019" y="1577"/>
-                  <a:pt x="26523" y="3727"/>
-                </a:cubicBezTo>
-                <a:cubicBezTo>
-                  <a:pt x="29027" y="5878"/>
-                  <a:pt x="31325" y="9530"/>
-                  <a:pt x="32002" y="12918"/>
-                </a:cubicBezTo>
-                <a:cubicBezTo>
-                  <a:pt x="32680" y="16306"/>
-                  <a:pt x="32149" y="21048"/>
-                  <a:pt x="30588" y="24053"/>
-                </a:cubicBezTo>
-                <a:cubicBezTo>
-                  <a:pt x="29027" y="27058"/>
-                  <a:pt x="25963" y="29680"/>
-                  <a:pt x="22634" y="30947"/>
-                </a:cubicBezTo>
-                <a:cubicBezTo>
-                  <a:pt x="19305" y="32214"/>
-                  <a:pt x="14062" y="32715"/>
-                  <a:pt x="10615" y="31654"/>
-                </a:cubicBezTo>
-                <a:cubicBezTo>
-                  <a:pt x="7168" y="30594"/>
-                  <a:pt x="3692" y="27559"/>
-                  <a:pt x="1954" y="24584"/>
-                </a:cubicBezTo>
-                <a:cubicBezTo>
-                  <a:pt x="216" y="21609"/>
-                  <a:pt x="-315" y="17337"/>
-                  <a:pt x="186" y="13802"/>
-                </a:cubicBezTo>
-                <a:cubicBezTo>
-                  <a:pt x="687" y="10267"/>
-                  <a:pt x="2160" y="5671"/>
-                  <a:pt x="4959" y="3373"/>
-                </a:cubicBezTo>
-                <a:cubicBezTo>
-                  <a:pt x="7758" y="1075"/>
-                  <a:pt x="13384" y="-44"/>
-                  <a:pt x="16978" y="15"/>
-                </a:cubicBezTo>
-                <a:close/>
-              </a:path>
-            </a:pathLst>
-          </a:custGeom>
-          <a:noFill/>
-          <a:ln w="19050" cap="flat" cmpd="sng">
-            <a:solidFill>
-              <a:schemeClr val="dk1"/>
-            </a:solidFill>
-            <a:prstDash val="solid"/>
-            <a:round/>
-            <a:headEnd type="none" w="med" len="med"/>
-            <a:tailEnd type="none" w="med" len="med"/>
-          </a:ln>
-        </p:spPr>
-      </p:sp>
-      <p:grpSp>
-        <p:nvGrpSpPr>
-          <p:cNvPr id="967" name="Google Shape;967;p46"/>
-          <p:cNvGrpSpPr/>
-          <p:nvPr/>
-        </p:nvGrpSpPr>
-        <p:grpSpPr>
-          <a:xfrm>
-            <a:off x="7580924" y="1669582"/>
-            <a:ext cx="402346" cy="402298"/>
-            <a:chOff x="5648375" y="3804850"/>
-            <a:chExt cx="483125" cy="483125"/>
-          </a:xfrm>
-        </p:grpSpPr>
-        <p:sp>
-          <p:nvSpPr>
-            <p:cNvPr id="968" name="Google Shape;968;p46"/>
-            <p:cNvSpPr/>
-            <p:nvPr/>
-          </p:nvSpPr>
-          <p:spPr>
-            <a:xfrm>
-              <a:off x="5648375" y="3804850"/>
-              <a:ext cx="483125" cy="483125"/>
-            </a:xfrm>
-            <a:custGeom>
-              <a:avLst/>
-              <a:gdLst/>
-              <a:ahLst/>
-              <a:cxnLst/>
-              <a:rect l="l" t="t" r="r" b="b"/>
-              <a:pathLst>
-                <a:path w="19325" h="19325" extrusionOk="0">
-                  <a:moveTo>
-                    <a:pt x="9662" y="1132"/>
-                  </a:moveTo>
-                  <a:cubicBezTo>
-                    <a:pt x="14367" y="1132"/>
-                    <a:pt x="18192" y="4958"/>
-                    <a:pt x="18192" y="9662"/>
-                  </a:cubicBezTo>
-                  <a:cubicBezTo>
-                    <a:pt x="18192" y="14367"/>
-                    <a:pt x="14367" y="18192"/>
-                    <a:pt x="9662" y="18192"/>
-                  </a:cubicBezTo>
-                  <a:cubicBezTo>
-                    <a:pt x="4958" y="18192"/>
-                    <a:pt x="1132" y="14367"/>
-                    <a:pt x="1132" y="9662"/>
-                  </a:cubicBezTo>
-                  <a:cubicBezTo>
-                    <a:pt x="1132" y="4958"/>
-                    <a:pt x="4958" y="1132"/>
-                    <a:pt x="9662" y="1132"/>
-                  </a:cubicBezTo>
-                  <a:close/>
-                  <a:moveTo>
-                    <a:pt x="9662" y="0"/>
-                  </a:moveTo>
-                  <a:cubicBezTo>
-                    <a:pt x="7093" y="0"/>
-                    <a:pt x="4668" y="1009"/>
-                    <a:pt x="2838" y="2838"/>
-                  </a:cubicBezTo>
-                  <a:cubicBezTo>
-                    <a:pt x="1009" y="4668"/>
-                    <a:pt x="0" y="7093"/>
-                    <a:pt x="0" y="9662"/>
-                  </a:cubicBezTo>
-                  <a:cubicBezTo>
-                    <a:pt x="0" y="12232"/>
-                    <a:pt x="1009" y="14657"/>
-                    <a:pt x="2838" y="16486"/>
-                  </a:cubicBezTo>
-                  <a:cubicBezTo>
-                    <a:pt x="4668" y="18316"/>
-                    <a:pt x="7093" y="19325"/>
-                    <a:pt x="9662" y="19325"/>
-                  </a:cubicBezTo>
-                  <a:cubicBezTo>
-                    <a:pt x="12232" y="19325"/>
-                    <a:pt x="14656" y="18316"/>
-                    <a:pt x="16486" y="16486"/>
-                  </a:cubicBezTo>
-                  <a:cubicBezTo>
-                    <a:pt x="18316" y="14657"/>
-                    <a:pt x="19325" y="12232"/>
-                    <a:pt x="19325" y="9662"/>
-                  </a:cubicBezTo>
-                  <a:cubicBezTo>
-                    <a:pt x="19325" y="7093"/>
-                    <a:pt x="18316" y="4668"/>
-                    <a:pt x="16486" y="2838"/>
-                  </a:cubicBezTo>
-                  <a:cubicBezTo>
-                    <a:pt x="14656" y="1009"/>
-                    <a:pt x="12232" y="0"/>
-                    <a:pt x="9662" y="0"/>
-                  </a:cubicBezTo>
-                  <a:close/>
-                </a:path>
-              </a:pathLst>
-            </a:custGeom>
-            <a:solidFill>
-              <a:schemeClr val="dk1"/>
-            </a:solidFill>
-            <a:ln>
-              <a:noFill/>
-            </a:ln>
-          </p:spPr>
-          <p:txBody>
-            <a:bodyPr spcFirstLastPara="1" wrap="square" lIns="91425" tIns="91425" rIns="91425" bIns="91425" anchor="ctr" anchorCtr="0">
-              <a:noAutofit/>
-            </a:bodyPr>
-            <a:lstStyle/>
-            <a:p>
-              <a:pPr marL="0" lvl="0" indent="0" algn="l" rtl="0">
-                <a:spcBef>
-                  <a:spcPts val="0"/>
-                </a:spcBef>
-                <a:spcAft>
-                  <a:spcPts val="0"/>
-                </a:spcAft>
-                <a:buNone/>
-              </a:pPr>
-              <a:endParaRPr>
-                <a:solidFill>
-                  <a:srgbClr val="435D74"/>
-                </a:solidFill>
-              </a:endParaRPr>
-            </a:p>
-          </p:txBody>
-        </p:sp>
-        <p:sp>
-          <p:nvSpPr>
-            <p:cNvPr id="969" name="Google Shape;969;p46"/>
-            <p:cNvSpPr/>
-            <p:nvPr/>
-          </p:nvSpPr>
-          <p:spPr>
-            <a:xfrm>
-              <a:off x="5762575" y="3947300"/>
-              <a:ext cx="88275" cy="85000"/>
-            </a:xfrm>
-            <a:custGeom>
-              <a:avLst/>
-              <a:gdLst/>
-              <a:ahLst/>
-              <a:cxnLst/>
-              <a:rect l="l" t="t" r="r" b="b"/>
-              <a:pathLst>
-                <a:path w="3531" h="3400" extrusionOk="0">
-                  <a:moveTo>
-                    <a:pt x="1697" y="1135"/>
-                  </a:moveTo>
-                  <a:cubicBezTo>
-                    <a:pt x="2202" y="1135"/>
-                    <a:pt x="2455" y="1742"/>
-                    <a:pt x="2099" y="2101"/>
-                  </a:cubicBezTo>
-                  <a:cubicBezTo>
-                    <a:pt x="1983" y="2216"/>
-                    <a:pt x="1841" y="2268"/>
-                    <a:pt x="1702" y="2268"/>
-                  </a:cubicBezTo>
-                  <a:cubicBezTo>
-                    <a:pt x="1411" y="2268"/>
-                    <a:pt x="1133" y="2041"/>
-                    <a:pt x="1133" y="1700"/>
-                  </a:cubicBezTo>
-                  <a:cubicBezTo>
-                    <a:pt x="1133" y="1386"/>
-                    <a:pt x="1383" y="1135"/>
-                    <a:pt x="1697" y="1135"/>
-                  </a:cubicBezTo>
-                  <a:close/>
-                  <a:moveTo>
-                    <a:pt x="1698" y="0"/>
-                  </a:moveTo>
-                  <a:cubicBezTo>
-                    <a:pt x="1479" y="0"/>
-                    <a:pt x="1258" y="43"/>
-                    <a:pt x="1048" y="130"/>
-                  </a:cubicBezTo>
-                  <a:cubicBezTo>
-                    <a:pt x="414" y="392"/>
-                    <a:pt x="1" y="1011"/>
-                    <a:pt x="1" y="1700"/>
-                  </a:cubicBezTo>
-                  <a:cubicBezTo>
-                    <a:pt x="1" y="2639"/>
-                    <a:pt x="758" y="3397"/>
-                    <a:pt x="1697" y="3400"/>
-                  </a:cubicBezTo>
-                  <a:cubicBezTo>
-                    <a:pt x="2386" y="3400"/>
-                    <a:pt x="3005" y="2983"/>
-                    <a:pt x="3268" y="2349"/>
-                  </a:cubicBezTo>
-                  <a:cubicBezTo>
-                    <a:pt x="3530" y="1715"/>
-                    <a:pt x="3385" y="984"/>
-                    <a:pt x="2899" y="498"/>
-                  </a:cubicBezTo>
-                  <a:cubicBezTo>
-                    <a:pt x="2574" y="173"/>
-                    <a:pt x="2139" y="0"/>
-                    <a:pt x="1698" y="0"/>
-                  </a:cubicBezTo>
-                  <a:close/>
-                </a:path>
-              </a:pathLst>
-            </a:custGeom>
-            <a:solidFill>
-              <a:schemeClr val="dk1"/>
-            </a:solidFill>
-            <a:ln>
-              <a:noFill/>
-            </a:ln>
-          </p:spPr>
-          <p:txBody>
-            <a:bodyPr spcFirstLastPara="1" wrap="square" lIns="91425" tIns="91425" rIns="91425" bIns="91425" anchor="ctr" anchorCtr="0">
-              <a:noAutofit/>
-            </a:bodyPr>
-            <a:lstStyle/>
-            <a:p>
-              <a:pPr marL="0" lvl="0" indent="0" algn="l" rtl="0">
-                <a:spcBef>
-                  <a:spcPts val="0"/>
-                </a:spcBef>
-                <a:spcAft>
-                  <a:spcPts val="0"/>
-                </a:spcAft>
-                <a:buNone/>
-              </a:pPr>
-              <a:endParaRPr>
-                <a:solidFill>
-                  <a:srgbClr val="435D74"/>
-                </a:solidFill>
-              </a:endParaRPr>
-            </a:p>
-          </p:txBody>
-        </p:sp>
-        <p:sp>
-          <p:nvSpPr>
-            <p:cNvPr id="970" name="Google Shape;970;p46"/>
-            <p:cNvSpPr/>
-            <p:nvPr/>
-          </p:nvSpPr>
-          <p:spPr>
-            <a:xfrm>
-              <a:off x="5932425" y="3947300"/>
-              <a:ext cx="88250" cy="85000"/>
-            </a:xfrm>
-            <a:custGeom>
-              <a:avLst/>
-              <a:gdLst/>
-              <a:ahLst/>
-              <a:cxnLst/>
-              <a:rect l="l" t="t" r="r" b="b"/>
-              <a:pathLst>
-                <a:path w="3530" h="3400" extrusionOk="0">
-                  <a:moveTo>
-                    <a:pt x="1697" y="1135"/>
-                  </a:moveTo>
-                  <a:cubicBezTo>
-                    <a:pt x="2201" y="1135"/>
-                    <a:pt x="2455" y="1742"/>
-                    <a:pt x="2099" y="2101"/>
-                  </a:cubicBezTo>
-                  <a:cubicBezTo>
-                    <a:pt x="1983" y="2216"/>
-                    <a:pt x="1841" y="2268"/>
-                    <a:pt x="1702" y="2268"/>
-                  </a:cubicBezTo>
-                  <a:cubicBezTo>
-                    <a:pt x="1411" y="2268"/>
-                    <a:pt x="1133" y="2041"/>
-                    <a:pt x="1133" y="1700"/>
-                  </a:cubicBezTo>
-                  <a:cubicBezTo>
-                    <a:pt x="1133" y="1386"/>
-                    <a:pt x="1383" y="1135"/>
-                    <a:pt x="1697" y="1135"/>
-                  </a:cubicBezTo>
-                  <a:close/>
-                  <a:moveTo>
-                    <a:pt x="1697" y="0"/>
-                  </a:moveTo>
-                  <a:cubicBezTo>
-                    <a:pt x="1479" y="0"/>
-                    <a:pt x="1258" y="43"/>
-                    <a:pt x="1048" y="130"/>
-                  </a:cubicBezTo>
-                  <a:cubicBezTo>
-                    <a:pt x="414" y="392"/>
-                    <a:pt x="0" y="1011"/>
-                    <a:pt x="0" y="1700"/>
-                  </a:cubicBezTo>
-                  <a:cubicBezTo>
-                    <a:pt x="0" y="2639"/>
-                    <a:pt x="758" y="3397"/>
-                    <a:pt x="1697" y="3400"/>
-                  </a:cubicBezTo>
-                  <a:cubicBezTo>
-                    <a:pt x="2386" y="3400"/>
-                    <a:pt x="3005" y="2983"/>
-                    <a:pt x="3267" y="2349"/>
-                  </a:cubicBezTo>
-                  <a:cubicBezTo>
-                    <a:pt x="3530" y="1715"/>
-                    <a:pt x="3385" y="984"/>
-                    <a:pt x="2899" y="498"/>
-                  </a:cubicBezTo>
-                  <a:cubicBezTo>
-                    <a:pt x="2574" y="173"/>
-                    <a:pt x="2139" y="0"/>
-                    <a:pt x="1697" y="0"/>
-                  </a:cubicBezTo>
-                  <a:close/>
-                </a:path>
-              </a:pathLst>
-            </a:custGeom>
-            <a:solidFill>
-              <a:schemeClr val="dk1"/>
-            </a:solidFill>
-            <a:ln>
-              <a:noFill/>
-            </a:ln>
-          </p:spPr>
-          <p:txBody>
-            <a:bodyPr spcFirstLastPara="1" wrap="square" lIns="91425" tIns="91425" rIns="91425" bIns="91425" anchor="ctr" anchorCtr="0">
-              <a:noAutofit/>
-            </a:bodyPr>
-            <a:lstStyle/>
-            <a:p>
-              <a:pPr marL="0" lvl="0" indent="0" algn="l" rtl="0">
-                <a:spcBef>
-                  <a:spcPts val="0"/>
-                </a:spcBef>
-                <a:spcAft>
-                  <a:spcPts val="0"/>
-                </a:spcAft>
-                <a:buNone/>
-              </a:pPr>
-              <a:endParaRPr>
-                <a:solidFill>
-                  <a:srgbClr val="435D74"/>
-                </a:solidFill>
-              </a:endParaRPr>
-            </a:p>
-          </p:txBody>
-        </p:sp>
-        <p:sp>
-          <p:nvSpPr>
-            <p:cNvPr id="971" name="Google Shape;971;p46"/>
-            <p:cNvSpPr/>
-            <p:nvPr/>
-          </p:nvSpPr>
-          <p:spPr>
-            <a:xfrm>
-              <a:off x="5762575" y="4060600"/>
-              <a:ext cx="254800" cy="141550"/>
-            </a:xfrm>
-            <a:custGeom>
-              <a:avLst/>
-              <a:gdLst/>
-              <a:ahLst/>
-              <a:cxnLst/>
-              <a:rect l="l" t="t" r="r" b="b"/>
-              <a:pathLst>
-                <a:path w="10192" h="5662" extrusionOk="0">
-                  <a:moveTo>
-                    <a:pt x="9017" y="1132"/>
-                  </a:moveTo>
-                  <a:cubicBezTo>
-                    <a:pt x="8736" y="3083"/>
-                    <a:pt x="7066" y="4529"/>
-                    <a:pt x="5094" y="4529"/>
-                  </a:cubicBezTo>
-                  <a:cubicBezTo>
-                    <a:pt x="3123" y="4529"/>
-                    <a:pt x="1453" y="3083"/>
-                    <a:pt x="1172" y="1132"/>
-                  </a:cubicBezTo>
-                  <a:close/>
-                  <a:moveTo>
-                    <a:pt x="565" y="0"/>
-                  </a:moveTo>
-                  <a:cubicBezTo>
-                    <a:pt x="251" y="0"/>
-                    <a:pt x="1" y="251"/>
-                    <a:pt x="1" y="565"/>
-                  </a:cubicBezTo>
-                  <a:cubicBezTo>
-                    <a:pt x="1" y="3373"/>
-                    <a:pt x="2286" y="5662"/>
-                    <a:pt x="5094" y="5662"/>
-                  </a:cubicBezTo>
-                  <a:cubicBezTo>
-                    <a:pt x="7905" y="5662"/>
-                    <a:pt x="10191" y="3373"/>
-                    <a:pt x="10191" y="565"/>
-                  </a:cubicBezTo>
-                  <a:cubicBezTo>
-                    <a:pt x="10191" y="251"/>
-                    <a:pt x="9938" y="0"/>
-                    <a:pt x="9623" y="0"/>
-                  </a:cubicBezTo>
-                  <a:close/>
-                </a:path>
-              </a:pathLst>
-            </a:custGeom>
-            <a:solidFill>
-              <a:schemeClr val="dk1"/>
-            </a:solidFill>
-            <a:ln>
-              <a:noFill/>
-            </a:ln>
-          </p:spPr>
-          <p:txBody>
-            <a:bodyPr spcFirstLastPara="1" wrap="square" lIns="91425" tIns="91425" rIns="91425" bIns="91425" anchor="ctr" anchorCtr="0">
-              <a:noAutofit/>
-            </a:bodyPr>
-            <a:lstStyle/>
-            <a:p>
-              <a:pPr marL="0" lvl="0" indent="0" algn="l" rtl="0">
-                <a:spcBef>
-                  <a:spcPts val="0"/>
-                </a:spcBef>
-                <a:spcAft>
-                  <a:spcPts val="0"/>
-                </a:spcAft>
-                <a:buNone/>
-              </a:pPr>
-              <a:endParaRPr>
-                <a:solidFill>
-                  <a:srgbClr val="435D74"/>
-                </a:solidFill>
-              </a:endParaRPr>
-            </a:p>
-          </p:txBody>
-        </p:sp>
-      </p:grpSp>
-      <p:grpSp>
-        <p:nvGrpSpPr>
-          <p:cNvPr id="972" name="Google Shape;972;p46"/>
-          <p:cNvGrpSpPr/>
-          <p:nvPr/>
-        </p:nvGrpSpPr>
-        <p:grpSpPr>
-          <a:xfrm>
-            <a:off x="4987291" y="1647308"/>
-            <a:ext cx="402367" cy="402298"/>
-            <a:chOff x="5053900" y="3804850"/>
-            <a:chExt cx="483150" cy="483125"/>
-          </a:xfrm>
-        </p:grpSpPr>
-        <p:sp>
-          <p:nvSpPr>
-            <p:cNvPr id="973" name="Google Shape;973;p46"/>
-            <p:cNvSpPr/>
-            <p:nvPr/>
-          </p:nvSpPr>
-          <p:spPr>
-            <a:xfrm>
-              <a:off x="5053900" y="3804850"/>
-              <a:ext cx="483150" cy="483125"/>
-            </a:xfrm>
-            <a:custGeom>
-              <a:avLst/>
-              <a:gdLst/>
-              <a:ahLst/>
-              <a:cxnLst/>
-              <a:rect l="l" t="t" r="r" b="b"/>
-              <a:pathLst>
-                <a:path w="19326" h="19325" extrusionOk="0">
-                  <a:moveTo>
-                    <a:pt x="9663" y="1132"/>
-                  </a:moveTo>
-                  <a:cubicBezTo>
-                    <a:pt x="14367" y="1132"/>
-                    <a:pt x="18193" y="4958"/>
-                    <a:pt x="18193" y="9662"/>
-                  </a:cubicBezTo>
-                  <a:cubicBezTo>
-                    <a:pt x="18193" y="14367"/>
-                    <a:pt x="14367" y="18192"/>
-                    <a:pt x="9663" y="18192"/>
-                  </a:cubicBezTo>
-                  <a:cubicBezTo>
-                    <a:pt x="4959" y="18192"/>
-                    <a:pt x="1133" y="14367"/>
-                    <a:pt x="1133" y="9662"/>
-                  </a:cubicBezTo>
-                  <a:cubicBezTo>
-                    <a:pt x="1133" y="4958"/>
-                    <a:pt x="4959" y="1132"/>
-                    <a:pt x="9663" y="1132"/>
-                  </a:cubicBezTo>
-                  <a:close/>
-                  <a:moveTo>
-                    <a:pt x="9663" y="0"/>
-                  </a:moveTo>
-                  <a:cubicBezTo>
-                    <a:pt x="7094" y="0"/>
-                    <a:pt x="4669" y="1009"/>
-                    <a:pt x="2839" y="2838"/>
-                  </a:cubicBezTo>
-                  <a:cubicBezTo>
-                    <a:pt x="1009" y="4668"/>
-                    <a:pt x="1" y="7093"/>
-                    <a:pt x="1" y="9662"/>
-                  </a:cubicBezTo>
-                  <a:cubicBezTo>
-                    <a:pt x="1" y="12232"/>
-                    <a:pt x="1009" y="14657"/>
-                    <a:pt x="2839" y="16486"/>
-                  </a:cubicBezTo>
-                  <a:cubicBezTo>
-                    <a:pt x="4669" y="18316"/>
-                    <a:pt x="7094" y="19325"/>
-                    <a:pt x="9663" y="19325"/>
-                  </a:cubicBezTo>
-                  <a:cubicBezTo>
-                    <a:pt x="12233" y="19325"/>
-                    <a:pt x="14657" y="18316"/>
-                    <a:pt x="16487" y="16486"/>
-                  </a:cubicBezTo>
-                  <a:cubicBezTo>
-                    <a:pt x="18317" y="14657"/>
-                    <a:pt x="19325" y="12232"/>
-                    <a:pt x="19325" y="9662"/>
-                  </a:cubicBezTo>
-                  <a:cubicBezTo>
-                    <a:pt x="19325" y="7093"/>
-                    <a:pt x="18317" y="4668"/>
-                    <a:pt x="16487" y="2838"/>
-                  </a:cubicBezTo>
-                  <a:cubicBezTo>
-                    <a:pt x="14657" y="1009"/>
-                    <a:pt x="12233" y="0"/>
-                    <a:pt x="9663" y="0"/>
-                  </a:cubicBezTo>
-                  <a:close/>
-                </a:path>
-              </a:pathLst>
-            </a:custGeom>
-            <a:solidFill>
-              <a:schemeClr val="dk1"/>
-            </a:solidFill>
-            <a:ln>
-              <a:noFill/>
-            </a:ln>
-          </p:spPr>
-          <p:txBody>
-            <a:bodyPr spcFirstLastPara="1" wrap="square" lIns="91425" tIns="91425" rIns="91425" bIns="91425" anchor="ctr" anchorCtr="0">
-              <a:noAutofit/>
-            </a:bodyPr>
-            <a:lstStyle/>
-            <a:p>
-              <a:pPr marL="0" lvl="0" indent="0" algn="l" rtl="0">
-                <a:spcBef>
-                  <a:spcPts val="0"/>
-                </a:spcBef>
-                <a:spcAft>
-                  <a:spcPts val="0"/>
-                </a:spcAft>
-                <a:buNone/>
-              </a:pPr>
-              <a:endParaRPr>
-                <a:solidFill>
-                  <a:srgbClr val="435D74"/>
-                </a:solidFill>
-              </a:endParaRPr>
-            </a:p>
-          </p:txBody>
-        </p:sp>
-        <p:sp>
-          <p:nvSpPr>
-            <p:cNvPr id="974" name="Google Shape;974;p46"/>
-            <p:cNvSpPr/>
-            <p:nvPr/>
-          </p:nvSpPr>
-          <p:spPr>
-            <a:xfrm>
-              <a:off x="5168125" y="3947300"/>
-              <a:ext cx="88275" cy="85000"/>
-            </a:xfrm>
-            <a:custGeom>
-              <a:avLst/>
-              <a:gdLst/>
-              <a:ahLst/>
-              <a:cxnLst/>
-              <a:rect l="l" t="t" r="r" b="b"/>
-              <a:pathLst>
-                <a:path w="3531" h="3400" extrusionOk="0">
-                  <a:moveTo>
-                    <a:pt x="1697" y="1135"/>
-                  </a:moveTo>
-                  <a:cubicBezTo>
-                    <a:pt x="2202" y="1135"/>
-                    <a:pt x="2455" y="1742"/>
-                    <a:pt x="2099" y="2101"/>
-                  </a:cubicBezTo>
-                  <a:cubicBezTo>
-                    <a:pt x="1983" y="2216"/>
-                    <a:pt x="1841" y="2268"/>
-                    <a:pt x="1702" y="2268"/>
-                  </a:cubicBezTo>
-                  <a:cubicBezTo>
-                    <a:pt x="1411" y="2268"/>
-                    <a:pt x="1133" y="2041"/>
-                    <a:pt x="1133" y="1700"/>
-                  </a:cubicBezTo>
-                  <a:cubicBezTo>
-                    <a:pt x="1133" y="1386"/>
-                    <a:pt x="1383" y="1135"/>
-                    <a:pt x="1697" y="1135"/>
-                  </a:cubicBezTo>
-                  <a:close/>
-                  <a:moveTo>
-                    <a:pt x="1697" y="0"/>
-                  </a:moveTo>
-                  <a:cubicBezTo>
-                    <a:pt x="1479" y="0"/>
-                    <a:pt x="1258" y="43"/>
-                    <a:pt x="1048" y="130"/>
-                  </a:cubicBezTo>
-                  <a:cubicBezTo>
-                    <a:pt x="414" y="392"/>
-                    <a:pt x="0" y="1011"/>
-                    <a:pt x="0" y="1700"/>
-                  </a:cubicBezTo>
-                  <a:cubicBezTo>
-                    <a:pt x="0" y="2639"/>
-                    <a:pt x="758" y="3397"/>
-                    <a:pt x="1697" y="3400"/>
-                  </a:cubicBezTo>
-                  <a:cubicBezTo>
-                    <a:pt x="2386" y="3400"/>
-                    <a:pt x="3005" y="2983"/>
-                    <a:pt x="3267" y="2349"/>
-                  </a:cubicBezTo>
-                  <a:cubicBezTo>
-                    <a:pt x="3530" y="1715"/>
-                    <a:pt x="3385" y="984"/>
-                    <a:pt x="2899" y="498"/>
-                  </a:cubicBezTo>
-                  <a:cubicBezTo>
-                    <a:pt x="2574" y="173"/>
-                    <a:pt x="2139" y="0"/>
-                    <a:pt x="1697" y="0"/>
-                  </a:cubicBezTo>
-                  <a:close/>
-                </a:path>
-              </a:pathLst>
-            </a:custGeom>
-            <a:solidFill>
-              <a:schemeClr val="dk1"/>
-            </a:solidFill>
-            <a:ln>
-              <a:noFill/>
-            </a:ln>
-          </p:spPr>
-          <p:txBody>
-            <a:bodyPr spcFirstLastPara="1" wrap="square" lIns="91425" tIns="91425" rIns="91425" bIns="91425" anchor="ctr" anchorCtr="0">
-              <a:noAutofit/>
-            </a:bodyPr>
-            <a:lstStyle/>
-            <a:p>
-              <a:pPr marL="0" lvl="0" indent="0" algn="l" rtl="0">
-                <a:spcBef>
-                  <a:spcPts val="0"/>
-                </a:spcBef>
-                <a:spcAft>
-                  <a:spcPts val="0"/>
-                </a:spcAft>
-                <a:buNone/>
-              </a:pPr>
-              <a:endParaRPr>
-                <a:solidFill>
-                  <a:srgbClr val="435D74"/>
-                </a:solidFill>
-              </a:endParaRPr>
-            </a:p>
-          </p:txBody>
-        </p:sp>
-        <p:sp>
-          <p:nvSpPr>
-            <p:cNvPr id="975" name="Google Shape;975;p46"/>
-            <p:cNvSpPr/>
-            <p:nvPr/>
-          </p:nvSpPr>
-          <p:spPr>
-            <a:xfrm>
-              <a:off x="5334575" y="3947350"/>
-              <a:ext cx="88325" cy="84950"/>
-            </a:xfrm>
-            <a:custGeom>
-              <a:avLst/>
-              <a:gdLst/>
-              <a:ahLst/>
-              <a:cxnLst/>
-              <a:rect l="l" t="t" r="r" b="b"/>
-              <a:pathLst>
-                <a:path w="3533" h="3398" extrusionOk="0">
-                  <a:moveTo>
-                    <a:pt x="1829" y="1130"/>
-                  </a:moveTo>
-                  <a:cubicBezTo>
-                    <a:pt x="2121" y="1130"/>
-                    <a:pt x="2401" y="1356"/>
-                    <a:pt x="2401" y="1698"/>
-                  </a:cubicBezTo>
-                  <a:cubicBezTo>
-                    <a:pt x="2401" y="2012"/>
-                    <a:pt x="2147" y="2265"/>
-                    <a:pt x="1833" y="2265"/>
-                  </a:cubicBezTo>
-                  <a:cubicBezTo>
-                    <a:pt x="1329" y="2265"/>
-                    <a:pt x="1075" y="1656"/>
-                    <a:pt x="1431" y="1296"/>
-                  </a:cubicBezTo>
-                  <a:cubicBezTo>
-                    <a:pt x="1547" y="1181"/>
-                    <a:pt x="1690" y="1130"/>
-                    <a:pt x="1829" y="1130"/>
-                  </a:cubicBezTo>
-                  <a:close/>
-                  <a:moveTo>
-                    <a:pt x="1833" y="1"/>
-                  </a:moveTo>
-                  <a:cubicBezTo>
-                    <a:pt x="1145" y="1"/>
-                    <a:pt x="526" y="415"/>
-                    <a:pt x="263" y="1049"/>
-                  </a:cubicBezTo>
-                  <a:cubicBezTo>
-                    <a:pt x="0" y="1683"/>
-                    <a:pt x="145" y="2413"/>
-                    <a:pt x="631" y="2900"/>
-                  </a:cubicBezTo>
-                  <a:cubicBezTo>
-                    <a:pt x="956" y="3225"/>
-                    <a:pt x="1391" y="3397"/>
-                    <a:pt x="1833" y="3397"/>
-                  </a:cubicBezTo>
-                  <a:cubicBezTo>
-                    <a:pt x="2052" y="3397"/>
-                    <a:pt x="2272" y="3355"/>
-                    <a:pt x="2482" y="3268"/>
-                  </a:cubicBezTo>
-                  <a:cubicBezTo>
-                    <a:pt x="3116" y="3005"/>
-                    <a:pt x="3533" y="2386"/>
-                    <a:pt x="3533" y="1698"/>
-                  </a:cubicBezTo>
-                  <a:cubicBezTo>
-                    <a:pt x="3530" y="759"/>
-                    <a:pt x="2772" y="1"/>
-                    <a:pt x="1833" y="1"/>
-                  </a:cubicBezTo>
-                  <a:close/>
-                </a:path>
-              </a:pathLst>
-            </a:custGeom>
-            <a:solidFill>
-              <a:schemeClr val="dk1"/>
-            </a:solidFill>
-            <a:ln>
-              <a:noFill/>
-            </a:ln>
-          </p:spPr>
-          <p:txBody>
-            <a:bodyPr spcFirstLastPara="1" wrap="square" lIns="91425" tIns="91425" rIns="91425" bIns="91425" anchor="ctr" anchorCtr="0">
-              <a:noAutofit/>
-            </a:bodyPr>
-            <a:lstStyle/>
-            <a:p>
-              <a:pPr marL="0" lvl="0" indent="0" algn="l" rtl="0">
-                <a:spcBef>
-                  <a:spcPts val="0"/>
-                </a:spcBef>
-                <a:spcAft>
-                  <a:spcPts val="0"/>
-                </a:spcAft>
-                <a:buNone/>
-              </a:pPr>
-              <a:endParaRPr>
-                <a:solidFill>
-                  <a:srgbClr val="435D74"/>
-                </a:solidFill>
-              </a:endParaRPr>
-            </a:p>
-          </p:txBody>
-        </p:sp>
-        <p:sp>
-          <p:nvSpPr>
-            <p:cNvPr id="976" name="Google Shape;976;p46"/>
-            <p:cNvSpPr/>
-            <p:nvPr/>
-          </p:nvSpPr>
-          <p:spPr>
-            <a:xfrm>
-              <a:off x="5170150" y="4060600"/>
-              <a:ext cx="250650" cy="113225"/>
-            </a:xfrm>
-            <a:custGeom>
-              <a:avLst/>
-              <a:gdLst/>
-              <a:ahLst/>
-              <a:cxnLst/>
-              <a:rect l="l" t="t" r="r" b="b"/>
-              <a:pathLst>
-                <a:path w="10026" h="4529" extrusionOk="0">
-                  <a:moveTo>
-                    <a:pt x="5006" y="0"/>
-                  </a:moveTo>
-                  <a:cubicBezTo>
-                    <a:pt x="2684" y="0"/>
-                    <a:pt x="659" y="1572"/>
-                    <a:pt x="79" y="3820"/>
-                  </a:cubicBezTo>
-                  <a:cubicBezTo>
-                    <a:pt x="1" y="4125"/>
-                    <a:pt x="182" y="4433"/>
-                    <a:pt x="487" y="4511"/>
-                  </a:cubicBezTo>
-                  <a:cubicBezTo>
-                    <a:pt x="533" y="4523"/>
-                    <a:pt x="580" y="4528"/>
-                    <a:pt x="625" y="4528"/>
-                  </a:cubicBezTo>
-                  <a:cubicBezTo>
-                    <a:pt x="878" y="4528"/>
-                    <a:pt x="1109" y="4359"/>
-                    <a:pt x="1175" y="4103"/>
-                  </a:cubicBezTo>
-                  <a:cubicBezTo>
-                    <a:pt x="1625" y="2352"/>
-                    <a:pt x="3205" y="1126"/>
-                    <a:pt x="5013" y="1126"/>
-                  </a:cubicBezTo>
-                  <a:cubicBezTo>
-                    <a:pt x="6822" y="1126"/>
-                    <a:pt x="8401" y="2352"/>
-                    <a:pt x="8851" y="4103"/>
-                  </a:cubicBezTo>
-                  <a:cubicBezTo>
-                    <a:pt x="8917" y="4359"/>
-                    <a:pt x="9148" y="4528"/>
-                    <a:pt x="9401" y="4528"/>
-                  </a:cubicBezTo>
-                  <a:cubicBezTo>
-                    <a:pt x="9447" y="4528"/>
-                    <a:pt x="9493" y="4523"/>
-                    <a:pt x="9539" y="4511"/>
-                  </a:cubicBezTo>
-                  <a:cubicBezTo>
-                    <a:pt x="9844" y="4433"/>
-                    <a:pt x="10025" y="4125"/>
-                    <a:pt x="9947" y="3820"/>
-                  </a:cubicBezTo>
-                  <a:cubicBezTo>
-                    <a:pt x="9368" y="1572"/>
-                    <a:pt x="7342" y="0"/>
-                    <a:pt x="5020" y="0"/>
-                  </a:cubicBezTo>
-                  <a:cubicBezTo>
-                    <a:pt x="5018" y="0"/>
-                    <a:pt x="5015" y="0"/>
-                    <a:pt x="5013" y="0"/>
-                  </a:cubicBezTo>
-                  <a:cubicBezTo>
-                    <a:pt x="5011" y="0"/>
-                    <a:pt x="5009" y="0"/>
-                    <a:pt x="5006" y="0"/>
-                  </a:cubicBezTo>
-                  <a:close/>
-                </a:path>
-              </a:pathLst>
-            </a:custGeom>
-            <a:solidFill>
-              <a:schemeClr val="dk1"/>
-            </a:solidFill>
-            <a:ln>
-              <a:noFill/>
-            </a:ln>
-          </p:spPr>
-          <p:txBody>
-            <a:bodyPr spcFirstLastPara="1" wrap="square" lIns="91425" tIns="91425" rIns="91425" bIns="91425" anchor="ctr" anchorCtr="0">
-              <a:noAutofit/>
-            </a:bodyPr>
-            <a:lstStyle/>
-            <a:p>
-              <a:pPr marL="0" lvl="0" indent="0" algn="l" rtl="0">
-                <a:spcBef>
-                  <a:spcPts val="0"/>
-                </a:spcBef>
-                <a:spcAft>
-                  <a:spcPts val="0"/>
-                </a:spcAft>
-                <a:buNone/>
-              </a:pPr>
-              <a:endParaRPr>
-                <a:solidFill>
-                  <a:srgbClr val="435D74"/>
-                </a:solidFill>
-              </a:endParaRPr>
-            </a:p>
-          </p:txBody>
-        </p:sp>
-      </p:grpSp>
-      <p:grpSp>
-        <p:nvGrpSpPr>
-          <p:cNvPr id="977" name="Google Shape;977;p46"/>
-          <p:cNvGrpSpPr/>
-          <p:nvPr/>
-        </p:nvGrpSpPr>
-        <p:grpSpPr>
-          <a:xfrm rot="2185173">
-            <a:off x="5026195" y="2141764"/>
-            <a:ext cx="304064" cy="290286"/>
-            <a:chOff x="5856861" y="3059709"/>
-            <a:chExt cx="304060" cy="290283"/>
-          </a:xfrm>
-        </p:grpSpPr>
-        <p:sp>
-          <p:nvSpPr>
-            <p:cNvPr id="978" name="Google Shape;978;p46"/>
-            <p:cNvSpPr/>
-            <p:nvPr/>
-          </p:nvSpPr>
-          <p:spPr>
-            <a:xfrm>
-              <a:off x="5905500" y="3103750"/>
-              <a:ext cx="213978" cy="213322"/>
-            </a:xfrm>
-            <a:custGeom>
-              <a:avLst/>
-              <a:gdLst/>
-              <a:ahLst/>
-              <a:cxnLst/>
-              <a:rect l="l" t="t" r="r" b="b"/>
-              <a:pathLst>
-                <a:path w="3875" h="3627" extrusionOk="0">
-                  <a:moveTo>
-                    <a:pt x="1324" y="0"/>
-                  </a:moveTo>
-                  <a:cubicBezTo>
-                    <a:pt x="1059" y="0"/>
-                    <a:pt x="1056" y="946"/>
-                    <a:pt x="969" y="1186"/>
-                  </a:cubicBezTo>
-                  <a:cubicBezTo>
-                    <a:pt x="890" y="1434"/>
-                    <a:pt x="0" y="1997"/>
-                    <a:pt x="23" y="2155"/>
-                  </a:cubicBezTo>
-                  <a:cubicBezTo>
-                    <a:pt x="62" y="2420"/>
-                    <a:pt x="947" y="2437"/>
-                    <a:pt x="1175" y="2437"/>
-                  </a:cubicBezTo>
-                  <a:cubicBezTo>
-                    <a:pt x="1209" y="2437"/>
-                    <a:pt x="1228" y="2436"/>
-                    <a:pt x="1228" y="2436"/>
-                  </a:cubicBezTo>
-                  <a:cubicBezTo>
-                    <a:pt x="1228" y="2436"/>
-                    <a:pt x="1284" y="3428"/>
-                    <a:pt x="1431" y="3608"/>
-                  </a:cubicBezTo>
-                  <a:cubicBezTo>
-                    <a:pt x="1442" y="3620"/>
-                    <a:pt x="1455" y="3626"/>
-                    <a:pt x="1471" y="3626"/>
-                  </a:cubicBezTo>
-                  <a:cubicBezTo>
-                    <a:pt x="1685" y="3626"/>
-                    <a:pt x="2309" y="2583"/>
-                    <a:pt x="2309" y="2583"/>
-                  </a:cubicBezTo>
-                  <a:cubicBezTo>
-                    <a:pt x="2309" y="2583"/>
-                    <a:pt x="2852" y="2810"/>
-                    <a:pt x="3273" y="2810"/>
-                  </a:cubicBezTo>
-                  <a:cubicBezTo>
-                    <a:pt x="3330" y="2810"/>
-                    <a:pt x="3385" y="2806"/>
-                    <a:pt x="3436" y="2797"/>
-                  </a:cubicBezTo>
-                  <a:cubicBezTo>
-                    <a:pt x="3875" y="2718"/>
-                    <a:pt x="3143" y="1749"/>
-                    <a:pt x="3008" y="1524"/>
-                  </a:cubicBezTo>
-                  <a:cubicBezTo>
-                    <a:pt x="2895" y="1299"/>
-                    <a:pt x="3447" y="905"/>
-                    <a:pt x="3391" y="679"/>
-                  </a:cubicBezTo>
-                  <a:cubicBezTo>
-                    <a:pt x="3376" y="622"/>
-                    <a:pt x="3324" y="601"/>
-                    <a:pt x="3247" y="601"/>
-                  </a:cubicBezTo>
-                  <a:cubicBezTo>
-                    <a:pt x="3019" y="601"/>
-                    <a:pt x="2582" y="792"/>
-                    <a:pt x="2321" y="826"/>
-                  </a:cubicBezTo>
-                  <a:cubicBezTo>
-                    <a:pt x="2313" y="826"/>
-                    <a:pt x="2306" y="827"/>
-                    <a:pt x="2299" y="827"/>
-                  </a:cubicBezTo>
-                  <a:cubicBezTo>
-                    <a:pt x="1958" y="827"/>
-                    <a:pt x="1639" y="70"/>
-                    <a:pt x="1352" y="3"/>
-                  </a:cubicBezTo>
-                  <a:cubicBezTo>
-                    <a:pt x="1342" y="1"/>
-                    <a:pt x="1333" y="0"/>
-                    <a:pt x="1324" y="0"/>
-                  </a:cubicBezTo>
-                  <a:close/>
-                </a:path>
-              </a:pathLst>
-            </a:custGeom>
-            <a:solidFill>
-              <a:schemeClr val="accent1"/>
-            </a:solidFill>
-            <a:ln>
-              <a:noFill/>
-            </a:ln>
-          </p:spPr>
-          <p:txBody>
-            <a:bodyPr spcFirstLastPara="1" wrap="square" lIns="91425" tIns="91425" rIns="91425" bIns="91425" anchor="ctr" anchorCtr="0">
-              <a:noAutofit/>
-            </a:bodyPr>
-            <a:lstStyle/>
-            <a:p>
-              <a:pPr marL="0" lvl="0" indent="0" algn="l" rtl="0">
-                <a:spcBef>
-                  <a:spcPts val="0"/>
-                </a:spcBef>
-                <a:spcAft>
-                  <a:spcPts val="0"/>
-                </a:spcAft>
-                <a:buNone/>
-              </a:pPr>
-              <a:endParaRPr/>
-            </a:p>
-          </p:txBody>
-        </p:sp>
-        <p:sp>
-          <p:nvSpPr>
-            <p:cNvPr id="979" name="Google Shape;979;p46"/>
-            <p:cNvSpPr/>
-            <p:nvPr/>
-          </p:nvSpPr>
-          <p:spPr>
-            <a:xfrm rot="-1249224">
-              <a:off x="5887777" y="3095625"/>
-              <a:ext cx="242229" cy="218451"/>
-            </a:xfrm>
-            <a:custGeom>
-              <a:avLst/>
-              <a:gdLst/>
-              <a:ahLst/>
-              <a:cxnLst/>
-              <a:rect l="l" t="t" r="r" b="b"/>
-              <a:pathLst>
-                <a:path w="3730" h="3064" extrusionOk="0">
-                  <a:moveTo>
-                    <a:pt x="1848" y="293"/>
-                  </a:moveTo>
-                  <a:cubicBezTo>
-                    <a:pt x="1904" y="394"/>
-                    <a:pt x="1983" y="530"/>
-                    <a:pt x="1995" y="563"/>
-                  </a:cubicBezTo>
-                  <a:cubicBezTo>
-                    <a:pt x="2017" y="586"/>
-                    <a:pt x="2040" y="631"/>
-                    <a:pt x="2051" y="676"/>
-                  </a:cubicBezTo>
-                  <a:cubicBezTo>
-                    <a:pt x="2130" y="856"/>
-                    <a:pt x="2242" y="1082"/>
-                    <a:pt x="2423" y="1138"/>
-                  </a:cubicBezTo>
-                  <a:cubicBezTo>
-                    <a:pt x="2614" y="1205"/>
-                    <a:pt x="2817" y="1217"/>
-                    <a:pt x="3008" y="1217"/>
-                  </a:cubicBezTo>
-                  <a:cubicBezTo>
-                    <a:pt x="3155" y="1217"/>
-                    <a:pt x="3279" y="1217"/>
-                    <a:pt x="3402" y="1250"/>
-                  </a:cubicBezTo>
-                  <a:cubicBezTo>
-                    <a:pt x="3369" y="1296"/>
-                    <a:pt x="3290" y="1352"/>
-                    <a:pt x="3233" y="1386"/>
-                  </a:cubicBezTo>
-                  <a:cubicBezTo>
-                    <a:pt x="3211" y="1408"/>
-                    <a:pt x="3200" y="1431"/>
-                    <a:pt x="3166" y="1442"/>
-                  </a:cubicBezTo>
-                  <a:cubicBezTo>
-                    <a:pt x="3087" y="1521"/>
-                    <a:pt x="2997" y="1577"/>
-                    <a:pt x="2918" y="1645"/>
-                  </a:cubicBezTo>
-                  <a:lnTo>
-                    <a:pt x="2749" y="1769"/>
-                  </a:lnTo>
-                  <a:cubicBezTo>
-                    <a:pt x="2715" y="1780"/>
-                    <a:pt x="2693" y="1814"/>
-                    <a:pt x="2659" y="1859"/>
-                  </a:cubicBezTo>
-                  <a:cubicBezTo>
-                    <a:pt x="2591" y="1971"/>
-                    <a:pt x="2648" y="2163"/>
-                    <a:pt x="2715" y="2422"/>
-                  </a:cubicBezTo>
-                  <a:cubicBezTo>
-                    <a:pt x="2727" y="2478"/>
-                    <a:pt x="2749" y="2512"/>
-                    <a:pt x="2760" y="2557"/>
-                  </a:cubicBezTo>
-                  <a:cubicBezTo>
-                    <a:pt x="2772" y="2568"/>
-                    <a:pt x="2772" y="2602"/>
-                    <a:pt x="2772" y="2625"/>
-                  </a:cubicBezTo>
-                  <a:cubicBezTo>
-                    <a:pt x="2772" y="2670"/>
-                    <a:pt x="2783" y="2715"/>
-                    <a:pt x="2783" y="2760"/>
-                  </a:cubicBezTo>
-                  <a:lnTo>
-                    <a:pt x="2085" y="2433"/>
-                  </a:lnTo>
-                  <a:cubicBezTo>
-                    <a:pt x="2012" y="2402"/>
-                    <a:pt x="1941" y="2389"/>
-                    <a:pt x="1871" y="2389"/>
-                  </a:cubicBezTo>
-                  <a:cubicBezTo>
-                    <a:pt x="1690" y="2389"/>
-                    <a:pt x="1518" y="2476"/>
-                    <a:pt x="1364" y="2557"/>
-                  </a:cubicBezTo>
-                  <a:cubicBezTo>
-                    <a:pt x="1319" y="2591"/>
-                    <a:pt x="1274" y="2613"/>
-                    <a:pt x="1240" y="2625"/>
-                  </a:cubicBezTo>
-                  <a:cubicBezTo>
-                    <a:pt x="1195" y="2647"/>
-                    <a:pt x="1139" y="2670"/>
-                    <a:pt x="1082" y="2703"/>
-                  </a:cubicBezTo>
-                  <a:cubicBezTo>
-                    <a:pt x="1015" y="2726"/>
-                    <a:pt x="958" y="2760"/>
-                    <a:pt x="902" y="2782"/>
-                  </a:cubicBezTo>
-                  <a:cubicBezTo>
-                    <a:pt x="913" y="2715"/>
-                    <a:pt x="925" y="2625"/>
-                    <a:pt x="958" y="2546"/>
-                  </a:cubicBezTo>
-                  <a:cubicBezTo>
-                    <a:pt x="970" y="2489"/>
-                    <a:pt x="981" y="2422"/>
-                    <a:pt x="1003" y="2366"/>
-                  </a:cubicBezTo>
-                  <a:cubicBezTo>
-                    <a:pt x="1015" y="2309"/>
-                    <a:pt x="1026" y="2264"/>
-                    <a:pt x="1037" y="2219"/>
-                  </a:cubicBezTo>
-                  <a:cubicBezTo>
-                    <a:pt x="1060" y="2163"/>
-                    <a:pt x="1071" y="2118"/>
-                    <a:pt x="1082" y="2061"/>
-                  </a:cubicBezTo>
-                  <a:cubicBezTo>
-                    <a:pt x="1127" y="1836"/>
-                    <a:pt x="902" y="1690"/>
-                    <a:pt x="733" y="1555"/>
-                  </a:cubicBezTo>
-                  <a:cubicBezTo>
-                    <a:pt x="688" y="1532"/>
-                    <a:pt x="643" y="1498"/>
-                    <a:pt x="620" y="1476"/>
-                  </a:cubicBezTo>
-                  <a:lnTo>
-                    <a:pt x="350" y="1250"/>
-                  </a:lnTo>
-                  <a:cubicBezTo>
-                    <a:pt x="406" y="1250"/>
-                    <a:pt x="463" y="1228"/>
-                    <a:pt x="508" y="1217"/>
-                  </a:cubicBezTo>
-                  <a:cubicBezTo>
-                    <a:pt x="553" y="1217"/>
-                    <a:pt x="575" y="1205"/>
-                    <a:pt x="587" y="1205"/>
-                  </a:cubicBezTo>
-                  <a:cubicBezTo>
-                    <a:pt x="632" y="1194"/>
-                    <a:pt x="699" y="1194"/>
-                    <a:pt x="778" y="1194"/>
-                  </a:cubicBezTo>
-                  <a:cubicBezTo>
-                    <a:pt x="1060" y="1183"/>
-                    <a:pt x="1262" y="1160"/>
-                    <a:pt x="1375" y="1082"/>
-                  </a:cubicBezTo>
-                  <a:cubicBezTo>
-                    <a:pt x="1476" y="991"/>
-                    <a:pt x="1533" y="868"/>
-                    <a:pt x="1589" y="755"/>
-                  </a:cubicBezTo>
-                  <a:cubicBezTo>
-                    <a:pt x="1600" y="710"/>
-                    <a:pt x="1634" y="676"/>
-                    <a:pt x="1645" y="642"/>
-                  </a:cubicBezTo>
-                  <a:cubicBezTo>
-                    <a:pt x="1679" y="597"/>
-                    <a:pt x="1702" y="541"/>
-                    <a:pt x="1735" y="485"/>
-                  </a:cubicBezTo>
-                  <a:cubicBezTo>
-                    <a:pt x="1769" y="417"/>
-                    <a:pt x="1803" y="349"/>
-                    <a:pt x="1848" y="293"/>
-                  </a:cubicBezTo>
-                  <a:close/>
-                  <a:moveTo>
-                    <a:pt x="1814" y="0"/>
-                  </a:moveTo>
-                  <a:lnTo>
-                    <a:pt x="1769" y="34"/>
-                  </a:lnTo>
-                  <a:cubicBezTo>
-                    <a:pt x="1657" y="135"/>
-                    <a:pt x="1589" y="293"/>
-                    <a:pt x="1533" y="417"/>
-                  </a:cubicBezTo>
-                  <a:cubicBezTo>
-                    <a:pt x="1499" y="462"/>
-                    <a:pt x="1488" y="518"/>
-                    <a:pt x="1465" y="563"/>
-                  </a:cubicBezTo>
-                  <a:cubicBezTo>
-                    <a:pt x="1431" y="586"/>
-                    <a:pt x="1420" y="642"/>
-                    <a:pt x="1386" y="687"/>
-                  </a:cubicBezTo>
-                  <a:cubicBezTo>
-                    <a:pt x="1353" y="777"/>
-                    <a:pt x="1296" y="901"/>
-                    <a:pt x="1240" y="935"/>
-                  </a:cubicBezTo>
-                  <a:cubicBezTo>
-                    <a:pt x="1184" y="991"/>
-                    <a:pt x="913" y="991"/>
-                    <a:pt x="778" y="1003"/>
-                  </a:cubicBezTo>
-                  <a:cubicBezTo>
-                    <a:pt x="699" y="1003"/>
-                    <a:pt x="632" y="1025"/>
-                    <a:pt x="575" y="1025"/>
-                  </a:cubicBezTo>
-                  <a:cubicBezTo>
-                    <a:pt x="542" y="1025"/>
-                    <a:pt x="519" y="1025"/>
-                    <a:pt x="463" y="1036"/>
-                  </a:cubicBezTo>
-                  <a:cubicBezTo>
-                    <a:pt x="384" y="1048"/>
-                    <a:pt x="170" y="1093"/>
-                    <a:pt x="114" y="1093"/>
-                  </a:cubicBezTo>
-                  <a:cubicBezTo>
-                    <a:pt x="114" y="1093"/>
-                    <a:pt x="136" y="1093"/>
-                    <a:pt x="147" y="1104"/>
-                  </a:cubicBezTo>
-                  <a:lnTo>
-                    <a:pt x="1" y="1250"/>
-                  </a:lnTo>
-                  <a:lnTo>
-                    <a:pt x="451" y="1611"/>
-                  </a:lnTo>
-                  <a:cubicBezTo>
-                    <a:pt x="497" y="1656"/>
-                    <a:pt x="530" y="1690"/>
-                    <a:pt x="575" y="1712"/>
-                  </a:cubicBezTo>
-                  <a:cubicBezTo>
-                    <a:pt x="722" y="1814"/>
-                    <a:pt x="891" y="1926"/>
-                    <a:pt x="857" y="2039"/>
-                  </a:cubicBezTo>
-                  <a:cubicBezTo>
-                    <a:pt x="846" y="2073"/>
-                    <a:pt x="834" y="2140"/>
-                    <a:pt x="812" y="2174"/>
-                  </a:cubicBezTo>
-                  <a:cubicBezTo>
-                    <a:pt x="801" y="2230"/>
-                    <a:pt x="789" y="2275"/>
-                    <a:pt x="778" y="2332"/>
-                  </a:cubicBezTo>
-                  <a:lnTo>
-                    <a:pt x="733" y="2501"/>
-                  </a:lnTo>
-                  <a:cubicBezTo>
-                    <a:pt x="688" y="2647"/>
-                    <a:pt x="643" y="2782"/>
-                    <a:pt x="665" y="2940"/>
-                  </a:cubicBezTo>
-                  <a:lnTo>
-                    <a:pt x="677" y="3053"/>
-                  </a:lnTo>
-                  <a:lnTo>
-                    <a:pt x="801" y="3053"/>
-                  </a:lnTo>
-                  <a:cubicBezTo>
-                    <a:pt x="925" y="3019"/>
-                    <a:pt x="1060" y="2951"/>
-                    <a:pt x="1184" y="2895"/>
-                  </a:cubicBezTo>
-                  <a:cubicBezTo>
-                    <a:pt x="1229" y="2872"/>
-                    <a:pt x="1285" y="2850"/>
-                    <a:pt x="1319" y="2827"/>
-                  </a:cubicBezTo>
-                  <a:cubicBezTo>
-                    <a:pt x="1364" y="2816"/>
-                    <a:pt x="1420" y="2782"/>
-                    <a:pt x="1465" y="2760"/>
-                  </a:cubicBezTo>
-                  <a:cubicBezTo>
-                    <a:pt x="1609" y="2684"/>
-                    <a:pt x="1733" y="2627"/>
-                    <a:pt x="1848" y="2627"/>
-                  </a:cubicBezTo>
-                  <a:cubicBezTo>
-                    <a:pt x="1887" y="2627"/>
-                    <a:pt x="1924" y="2633"/>
-                    <a:pt x="1961" y="2647"/>
-                  </a:cubicBezTo>
-                  <a:lnTo>
-                    <a:pt x="2884" y="3064"/>
-                  </a:lnTo>
-                  <a:lnTo>
-                    <a:pt x="2986" y="2895"/>
-                  </a:lnTo>
-                  <a:cubicBezTo>
-                    <a:pt x="3008" y="2906"/>
-                    <a:pt x="3031" y="2929"/>
-                    <a:pt x="3031" y="2929"/>
-                  </a:cubicBezTo>
-                  <a:cubicBezTo>
-                    <a:pt x="3008" y="2884"/>
-                    <a:pt x="2986" y="2703"/>
-                    <a:pt x="2986" y="2647"/>
-                  </a:cubicBezTo>
-                  <a:cubicBezTo>
-                    <a:pt x="2974" y="2602"/>
-                    <a:pt x="2974" y="2568"/>
-                    <a:pt x="2974" y="2557"/>
-                  </a:cubicBezTo>
-                  <a:cubicBezTo>
-                    <a:pt x="2974" y="2534"/>
-                    <a:pt x="2941" y="2478"/>
-                    <a:pt x="2929" y="2399"/>
-                  </a:cubicBezTo>
-                  <a:cubicBezTo>
-                    <a:pt x="2896" y="2275"/>
-                    <a:pt x="2817" y="2039"/>
-                    <a:pt x="2862" y="1971"/>
-                  </a:cubicBezTo>
-                  <a:cubicBezTo>
-                    <a:pt x="2873" y="1971"/>
-                    <a:pt x="2884" y="1949"/>
-                    <a:pt x="2896" y="1938"/>
-                  </a:cubicBezTo>
-                  <a:lnTo>
-                    <a:pt x="3065" y="1814"/>
-                  </a:lnTo>
-                  <a:cubicBezTo>
-                    <a:pt x="3166" y="1746"/>
-                    <a:pt x="3256" y="1667"/>
-                    <a:pt x="3335" y="1600"/>
-                  </a:cubicBezTo>
-                  <a:cubicBezTo>
-                    <a:pt x="3369" y="1588"/>
-                    <a:pt x="3380" y="1555"/>
-                    <a:pt x="3402" y="1543"/>
-                  </a:cubicBezTo>
-                  <a:cubicBezTo>
-                    <a:pt x="3515" y="1442"/>
-                    <a:pt x="3661" y="1352"/>
-                    <a:pt x="3707" y="1217"/>
-                  </a:cubicBezTo>
-                  <a:lnTo>
-                    <a:pt x="3729" y="1138"/>
-                  </a:lnTo>
-                  <a:lnTo>
-                    <a:pt x="3628" y="1104"/>
-                  </a:lnTo>
-                  <a:cubicBezTo>
-                    <a:pt x="3436" y="1036"/>
-                    <a:pt x="3222" y="1025"/>
-                    <a:pt x="3031" y="1025"/>
-                  </a:cubicBezTo>
-                  <a:cubicBezTo>
-                    <a:pt x="2839" y="1003"/>
-                    <a:pt x="2659" y="1003"/>
-                    <a:pt x="2501" y="946"/>
-                  </a:cubicBezTo>
-                  <a:cubicBezTo>
-                    <a:pt x="2411" y="924"/>
-                    <a:pt x="2321" y="721"/>
-                    <a:pt x="2265" y="597"/>
-                  </a:cubicBezTo>
-                  <a:cubicBezTo>
-                    <a:pt x="2254" y="563"/>
-                    <a:pt x="2220" y="507"/>
-                    <a:pt x="2209" y="473"/>
-                  </a:cubicBezTo>
-                  <a:cubicBezTo>
-                    <a:pt x="1972" y="23"/>
-                    <a:pt x="1916" y="11"/>
-                    <a:pt x="1871" y="11"/>
-                  </a:cubicBezTo>
-                  <a:lnTo>
-                    <a:pt x="1814" y="0"/>
-                  </a:lnTo>
-                  <a:close/>
-                </a:path>
-              </a:pathLst>
-            </a:custGeom>
-            <a:solidFill>
-              <a:srgbClr val="000000"/>
-            </a:solidFill>
-            <a:ln>
-              <a:noFill/>
-            </a:ln>
-          </p:spPr>
-          <p:txBody>
-            <a:bodyPr spcFirstLastPara="1" wrap="square" lIns="91425" tIns="91425" rIns="91425" bIns="91425" anchor="ctr" anchorCtr="0">
-              <a:noAutofit/>
-            </a:bodyPr>
-            <a:lstStyle/>
-            <a:p>
-              <a:pPr marL="0" lvl="0" indent="0" algn="l" rtl="0">
-                <a:spcBef>
-                  <a:spcPts val="0"/>
-                </a:spcBef>
-                <a:spcAft>
-                  <a:spcPts val="0"/>
-                </a:spcAft>
-                <a:buNone/>
-              </a:pPr>
-              <a:endParaRPr/>
-            </a:p>
-          </p:txBody>
-        </p:sp>
-      </p:grpSp>
-      <p:grpSp>
-        <p:nvGrpSpPr>
-          <p:cNvPr id="980" name="Google Shape;980;p46"/>
-          <p:cNvGrpSpPr/>
-          <p:nvPr/>
-        </p:nvGrpSpPr>
-        <p:grpSpPr>
-          <a:xfrm rot="1818974">
-            <a:off x="7630058" y="2136757"/>
-            <a:ext cx="304077" cy="290299"/>
-            <a:chOff x="5856861" y="3059709"/>
-            <a:chExt cx="304060" cy="290283"/>
-          </a:xfrm>
-        </p:grpSpPr>
-        <p:sp>
-          <p:nvSpPr>
-            <p:cNvPr id="981" name="Google Shape;981;p46"/>
-            <p:cNvSpPr/>
-            <p:nvPr/>
-          </p:nvSpPr>
-          <p:spPr>
-            <a:xfrm>
-              <a:off x="5905500" y="3103750"/>
-              <a:ext cx="213978" cy="213322"/>
-            </a:xfrm>
-            <a:custGeom>
-              <a:avLst/>
-              <a:gdLst/>
-              <a:ahLst/>
-              <a:cxnLst/>
-              <a:rect l="l" t="t" r="r" b="b"/>
-              <a:pathLst>
-                <a:path w="3875" h="3627" extrusionOk="0">
-                  <a:moveTo>
-                    <a:pt x="1324" y="0"/>
-                  </a:moveTo>
-                  <a:cubicBezTo>
-                    <a:pt x="1059" y="0"/>
-                    <a:pt x="1056" y="946"/>
-                    <a:pt x="969" y="1186"/>
-                  </a:cubicBezTo>
-                  <a:cubicBezTo>
-                    <a:pt x="890" y="1434"/>
-                    <a:pt x="0" y="1997"/>
-                    <a:pt x="23" y="2155"/>
-                  </a:cubicBezTo>
-                  <a:cubicBezTo>
-                    <a:pt x="62" y="2420"/>
-                    <a:pt x="947" y="2437"/>
-                    <a:pt x="1175" y="2437"/>
-                  </a:cubicBezTo>
-                  <a:cubicBezTo>
-                    <a:pt x="1209" y="2437"/>
-                    <a:pt x="1228" y="2436"/>
-                    <a:pt x="1228" y="2436"/>
-                  </a:cubicBezTo>
-                  <a:cubicBezTo>
-                    <a:pt x="1228" y="2436"/>
-                    <a:pt x="1284" y="3428"/>
-                    <a:pt x="1431" y="3608"/>
-                  </a:cubicBezTo>
-                  <a:cubicBezTo>
-                    <a:pt x="1442" y="3620"/>
-                    <a:pt x="1455" y="3626"/>
-                    <a:pt x="1471" y="3626"/>
-                  </a:cubicBezTo>
-                  <a:cubicBezTo>
-                    <a:pt x="1685" y="3626"/>
-                    <a:pt x="2309" y="2583"/>
-                    <a:pt x="2309" y="2583"/>
-                  </a:cubicBezTo>
-                  <a:cubicBezTo>
-                    <a:pt x="2309" y="2583"/>
-                    <a:pt x="2852" y="2810"/>
-                    <a:pt x="3273" y="2810"/>
-                  </a:cubicBezTo>
-                  <a:cubicBezTo>
-                    <a:pt x="3330" y="2810"/>
-                    <a:pt x="3385" y="2806"/>
-                    <a:pt x="3436" y="2797"/>
-                  </a:cubicBezTo>
-                  <a:cubicBezTo>
-                    <a:pt x="3875" y="2718"/>
-                    <a:pt x="3143" y="1749"/>
-                    <a:pt x="3008" y="1524"/>
-                  </a:cubicBezTo>
-                  <a:cubicBezTo>
-                    <a:pt x="2895" y="1299"/>
-                    <a:pt x="3447" y="905"/>
-                    <a:pt x="3391" y="679"/>
-                  </a:cubicBezTo>
-                  <a:cubicBezTo>
-                    <a:pt x="3376" y="622"/>
-                    <a:pt x="3324" y="601"/>
-                    <a:pt x="3247" y="601"/>
-                  </a:cubicBezTo>
-                  <a:cubicBezTo>
-                    <a:pt x="3019" y="601"/>
-                    <a:pt x="2582" y="792"/>
-                    <a:pt x="2321" y="826"/>
-                  </a:cubicBezTo>
-                  <a:cubicBezTo>
-                    <a:pt x="2313" y="826"/>
-                    <a:pt x="2306" y="827"/>
-                    <a:pt x="2299" y="827"/>
-                  </a:cubicBezTo>
-                  <a:cubicBezTo>
-                    <a:pt x="1958" y="827"/>
-                    <a:pt x="1639" y="70"/>
-                    <a:pt x="1352" y="3"/>
-                  </a:cubicBezTo>
-                  <a:cubicBezTo>
-                    <a:pt x="1342" y="1"/>
-                    <a:pt x="1333" y="0"/>
-                    <a:pt x="1324" y="0"/>
-                  </a:cubicBezTo>
-                  <a:close/>
-                </a:path>
-              </a:pathLst>
-            </a:custGeom>
-            <a:solidFill>
-              <a:schemeClr val="accent2"/>
-            </a:solidFill>
-            <a:ln>
-              <a:noFill/>
-            </a:ln>
-          </p:spPr>
-          <p:txBody>
-            <a:bodyPr spcFirstLastPara="1" wrap="square" lIns="91425" tIns="91425" rIns="91425" bIns="91425" anchor="ctr" anchorCtr="0">
-              <a:noAutofit/>
-            </a:bodyPr>
-            <a:lstStyle/>
-            <a:p>
-              <a:pPr marL="0" lvl="0" indent="0" algn="l" rtl="0">
-                <a:spcBef>
-                  <a:spcPts val="0"/>
-                </a:spcBef>
-                <a:spcAft>
-                  <a:spcPts val="0"/>
-                </a:spcAft>
-                <a:buNone/>
-              </a:pPr>
-              <a:endParaRPr/>
-            </a:p>
-          </p:txBody>
-        </p:sp>
-        <p:sp>
-          <p:nvSpPr>
-            <p:cNvPr id="982" name="Google Shape;982;p46"/>
-            <p:cNvSpPr/>
-            <p:nvPr/>
-          </p:nvSpPr>
-          <p:spPr>
-            <a:xfrm rot="-1249224">
-              <a:off x="5887777" y="3095625"/>
-              <a:ext cx="242229" cy="218451"/>
-            </a:xfrm>
-            <a:custGeom>
-              <a:avLst/>
-              <a:gdLst/>
-              <a:ahLst/>
-              <a:cxnLst/>
-              <a:rect l="l" t="t" r="r" b="b"/>
-              <a:pathLst>
-                <a:path w="3730" h="3064" extrusionOk="0">
-                  <a:moveTo>
-                    <a:pt x="1848" y="293"/>
-                  </a:moveTo>
-                  <a:cubicBezTo>
-                    <a:pt x="1904" y="394"/>
-                    <a:pt x="1983" y="530"/>
-                    <a:pt x="1995" y="563"/>
-                  </a:cubicBezTo>
-                  <a:cubicBezTo>
-                    <a:pt x="2017" y="586"/>
-                    <a:pt x="2040" y="631"/>
-                    <a:pt x="2051" y="676"/>
-                  </a:cubicBezTo>
-                  <a:cubicBezTo>
-                    <a:pt x="2130" y="856"/>
-                    <a:pt x="2242" y="1082"/>
-                    <a:pt x="2423" y="1138"/>
-                  </a:cubicBezTo>
-                  <a:cubicBezTo>
-                    <a:pt x="2614" y="1205"/>
-                    <a:pt x="2817" y="1217"/>
-                    <a:pt x="3008" y="1217"/>
-                  </a:cubicBezTo>
-                  <a:cubicBezTo>
-                    <a:pt x="3155" y="1217"/>
-                    <a:pt x="3279" y="1217"/>
-                    <a:pt x="3402" y="1250"/>
-                  </a:cubicBezTo>
-                  <a:cubicBezTo>
-                    <a:pt x="3369" y="1296"/>
-                    <a:pt x="3290" y="1352"/>
-                    <a:pt x="3233" y="1386"/>
-                  </a:cubicBezTo>
-                  <a:cubicBezTo>
-                    <a:pt x="3211" y="1408"/>
-                    <a:pt x="3200" y="1431"/>
-                    <a:pt x="3166" y="1442"/>
-                  </a:cubicBezTo>
-                  <a:cubicBezTo>
-                    <a:pt x="3087" y="1521"/>
-                    <a:pt x="2997" y="1577"/>
-                    <a:pt x="2918" y="1645"/>
-                  </a:cubicBezTo>
-                  <a:lnTo>
-                    <a:pt x="2749" y="1769"/>
-                  </a:lnTo>
-                  <a:cubicBezTo>
-                    <a:pt x="2715" y="1780"/>
-                    <a:pt x="2693" y="1814"/>
-                    <a:pt x="2659" y="1859"/>
-                  </a:cubicBezTo>
-                  <a:cubicBezTo>
-                    <a:pt x="2591" y="1971"/>
-                    <a:pt x="2648" y="2163"/>
-                    <a:pt x="2715" y="2422"/>
-                  </a:cubicBezTo>
-                  <a:cubicBezTo>
-                    <a:pt x="2727" y="2478"/>
-                    <a:pt x="2749" y="2512"/>
-                    <a:pt x="2760" y="2557"/>
-                  </a:cubicBezTo>
-                  <a:cubicBezTo>
-                    <a:pt x="2772" y="2568"/>
-                    <a:pt x="2772" y="2602"/>
-                    <a:pt x="2772" y="2625"/>
-                  </a:cubicBezTo>
-                  <a:cubicBezTo>
-                    <a:pt x="2772" y="2670"/>
-                    <a:pt x="2783" y="2715"/>
-                    <a:pt x="2783" y="2760"/>
-                  </a:cubicBezTo>
-                  <a:lnTo>
-                    <a:pt x="2085" y="2433"/>
-                  </a:lnTo>
-                  <a:cubicBezTo>
-                    <a:pt x="2012" y="2402"/>
-                    <a:pt x="1941" y="2389"/>
-                    <a:pt x="1871" y="2389"/>
-                  </a:cubicBezTo>
-                  <a:cubicBezTo>
-                    <a:pt x="1690" y="2389"/>
-                    <a:pt x="1518" y="2476"/>
-                    <a:pt x="1364" y="2557"/>
-                  </a:cubicBezTo>
-                  <a:cubicBezTo>
-                    <a:pt x="1319" y="2591"/>
-                    <a:pt x="1274" y="2613"/>
-                    <a:pt x="1240" y="2625"/>
-                  </a:cubicBezTo>
-                  <a:cubicBezTo>
-                    <a:pt x="1195" y="2647"/>
-                    <a:pt x="1139" y="2670"/>
-                    <a:pt x="1082" y="2703"/>
-                  </a:cubicBezTo>
-                  <a:cubicBezTo>
-                    <a:pt x="1015" y="2726"/>
-                    <a:pt x="958" y="2760"/>
-                    <a:pt x="902" y="2782"/>
-                  </a:cubicBezTo>
-                  <a:cubicBezTo>
-                    <a:pt x="913" y="2715"/>
-                    <a:pt x="925" y="2625"/>
-                    <a:pt x="958" y="2546"/>
-                  </a:cubicBezTo>
-                  <a:cubicBezTo>
-                    <a:pt x="970" y="2489"/>
-                    <a:pt x="981" y="2422"/>
-                    <a:pt x="1003" y="2366"/>
-                  </a:cubicBezTo>
-                  <a:cubicBezTo>
-                    <a:pt x="1015" y="2309"/>
-                    <a:pt x="1026" y="2264"/>
-                    <a:pt x="1037" y="2219"/>
-                  </a:cubicBezTo>
-                  <a:cubicBezTo>
-                    <a:pt x="1060" y="2163"/>
-                    <a:pt x="1071" y="2118"/>
-                    <a:pt x="1082" y="2061"/>
-                  </a:cubicBezTo>
-                  <a:cubicBezTo>
-                    <a:pt x="1127" y="1836"/>
-                    <a:pt x="902" y="1690"/>
-                    <a:pt x="733" y="1555"/>
-                  </a:cubicBezTo>
-                  <a:cubicBezTo>
-                    <a:pt x="688" y="1532"/>
-                    <a:pt x="643" y="1498"/>
-                    <a:pt x="620" y="1476"/>
-                  </a:cubicBezTo>
-                  <a:lnTo>
-                    <a:pt x="350" y="1250"/>
-                  </a:lnTo>
-                  <a:cubicBezTo>
-                    <a:pt x="406" y="1250"/>
-                    <a:pt x="463" y="1228"/>
-                    <a:pt x="508" y="1217"/>
-                  </a:cubicBezTo>
-                  <a:cubicBezTo>
-                    <a:pt x="553" y="1217"/>
-                    <a:pt x="575" y="1205"/>
-                    <a:pt x="587" y="1205"/>
-                  </a:cubicBezTo>
-                  <a:cubicBezTo>
-                    <a:pt x="632" y="1194"/>
-                    <a:pt x="699" y="1194"/>
-                    <a:pt x="778" y="1194"/>
-                  </a:cubicBezTo>
-                  <a:cubicBezTo>
-                    <a:pt x="1060" y="1183"/>
-                    <a:pt x="1262" y="1160"/>
-                    <a:pt x="1375" y="1082"/>
-                  </a:cubicBezTo>
-                  <a:cubicBezTo>
-                    <a:pt x="1476" y="991"/>
-                    <a:pt x="1533" y="868"/>
-                    <a:pt x="1589" y="755"/>
-                  </a:cubicBezTo>
-                  <a:cubicBezTo>
-                    <a:pt x="1600" y="710"/>
-                    <a:pt x="1634" y="676"/>
-                    <a:pt x="1645" y="642"/>
-                  </a:cubicBezTo>
-                  <a:cubicBezTo>
-                    <a:pt x="1679" y="597"/>
-                    <a:pt x="1702" y="541"/>
-                    <a:pt x="1735" y="485"/>
-                  </a:cubicBezTo>
-                  <a:cubicBezTo>
-                    <a:pt x="1769" y="417"/>
-                    <a:pt x="1803" y="349"/>
-                    <a:pt x="1848" y="293"/>
-                  </a:cubicBezTo>
-                  <a:close/>
-                  <a:moveTo>
-                    <a:pt x="1814" y="0"/>
-                  </a:moveTo>
-                  <a:lnTo>
-                    <a:pt x="1769" y="34"/>
-                  </a:lnTo>
-                  <a:cubicBezTo>
-                    <a:pt x="1657" y="135"/>
-                    <a:pt x="1589" y="293"/>
-                    <a:pt x="1533" y="417"/>
-                  </a:cubicBezTo>
-                  <a:cubicBezTo>
-                    <a:pt x="1499" y="462"/>
-                    <a:pt x="1488" y="518"/>
-                    <a:pt x="1465" y="563"/>
-                  </a:cubicBezTo>
-                  <a:cubicBezTo>
-                    <a:pt x="1431" y="586"/>
-                    <a:pt x="1420" y="642"/>
-                    <a:pt x="1386" y="687"/>
-                  </a:cubicBezTo>
-                  <a:cubicBezTo>
-                    <a:pt x="1353" y="777"/>
-                    <a:pt x="1296" y="901"/>
-                    <a:pt x="1240" y="935"/>
-                  </a:cubicBezTo>
-                  <a:cubicBezTo>
-                    <a:pt x="1184" y="991"/>
-                    <a:pt x="913" y="991"/>
-                    <a:pt x="778" y="1003"/>
-                  </a:cubicBezTo>
-                  <a:cubicBezTo>
-                    <a:pt x="699" y="1003"/>
-                    <a:pt x="632" y="1025"/>
-                    <a:pt x="575" y="1025"/>
-                  </a:cubicBezTo>
-                  <a:cubicBezTo>
-                    <a:pt x="542" y="1025"/>
-                    <a:pt x="519" y="1025"/>
-                    <a:pt x="463" y="1036"/>
-                  </a:cubicBezTo>
-                  <a:cubicBezTo>
-                    <a:pt x="384" y="1048"/>
-                    <a:pt x="170" y="1093"/>
-                    <a:pt x="114" y="1093"/>
-                  </a:cubicBezTo>
-                  <a:cubicBezTo>
-                    <a:pt x="114" y="1093"/>
-                    <a:pt x="136" y="1093"/>
-                    <a:pt x="147" y="1104"/>
-                  </a:cubicBezTo>
-                  <a:lnTo>
-                    <a:pt x="1" y="1250"/>
-                  </a:lnTo>
-                  <a:lnTo>
-                    <a:pt x="451" y="1611"/>
-                  </a:lnTo>
-                  <a:cubicBezTo>
-                    <a:pt x="497" y="1656"/>
-                    <a:pt x="530" y="1690"/>
-                    <a:pt x="575" y="1712"/>
-                  </a:cubicBezTo>
-                  <a:cubicBezTo>
-                    <a:pt x="722" y="1814"/>
-                    <a:pt x="891" y="1926"/>
-                    <a:pt x="857" y="2039"/>
-                  </a:cubicBezTo>
-                  <a:cubicBezTo>
-                    <a:pt x="846" y="2073"/>
-                    <a:pt x="834" y="2140"/>
-                    <a:pt x="812" y="2174"/>
-                  </a:cubicBezTo>
-                  <a:cubicBezTo>
-                    <a:pt x="801" y="2230"/>
-                    <a:pt x="789" y="2275"/>
-                    <a:pt x="778" y="2332"/>
-                  </a:cubicBezTo>
-                  <a:lnTo>
-                    <a:pt x="733" y="2501"/>
-                  </a:lnTo>
-                  <a:cubicBezTo>
-                    <a:pt x="688" y="2647"/>
-                    <a:pt x="643" y="2782"/>
-                    <a:pt x="665" y="2940"/>
-                  </a:cubicBezTo>
-                  <a:lnTo>
-                    <a:pt x="677" y="3053"/>
-                  </a:lnTo>
-                  <a:lnTo>
-                    <a:pt x="801" y="3053"/>
-                  </a:lnTo>
-                  <a:cubicBezTo>
-                    <a:pt x="925" y="3019"/>
-                    <a:pt x="1060" y="2951"/>
-                    <a:pt x="1184" y="2895"/>
-                  </a:cubicBezTo>
-                  <a:cubicBezTo>
-                    <a:pt x="1229" y="2872"/>
-                    <a:pt x="1285" y="2850"/>
-                    <a:pt x="1319" y="2827"/>
-                  </a:cubicBezTo>
-                  <a:cubicBezTo>
-                    <a:pt x="1364" y="2816"/>
-                    <a:pt x="1420" y="2782"/>
-                    <a:pt x="1465" y="2760"/>
-                  </a:cubicBezTo>
-                  <a:cubicBezTo>
-                    <a:pt x="1609" y="2684"/>
-                    <a:pt x="1733" y="2627"/>
-                    <a:pt x="1848" y="2627"/>
-                  </a:cubicBezTo>
-                  <a:cubicBezTo>
-                    <a:pt x="1887" y="2627"/>
-                    <a:pt x="1924" y="2633"/>
-                    <a:pt x="1961" y="2647"/>
-                  </a:cubicBezTo>
-                  <a:lnTo>
-                    <a:pt x="2884" y="3064"/>
-                  </a:lnTo>
-                  <a:lnTo>
-                    <a:pt x="2986" y="2895"/>
-                  </a:lnTo>
-                  <a:cubicBezTo>
-                    <a:pt x="3008" y="2906"/>
-                    <a:pt x="3031" y="2929"/>
-                    <a:pt x="3031" y="2929"/>
-                  </a:cubicBezTo>
-                  <a:cubicBezTo>
-                    <a:pt x="3008" y="2884"/>
-                    <a:pt x="2986" y="2703"/>
-                    <a:pt x="2986" y="2647"/>
-                  </a:cubicBezTo>
-                  <a:cubicBezTo>
-                    <a:pt x="2974" y="2602"/>
-                    <a:pt x="2974" y="2568"/>
-                    <a:pt x="2974" y="2557"/>
-                  </a:cubicBezTo>
-                  <a:cubicBezTo>
-                    <a:pt x="2974" y="2534"/>
-                    <a:pt x="2941" y="2478"/>
-                    <a:pt x="2929" y="2399"/>
-                  </a:cubicBezTo>
-                  <a:cubicBezTo>
-                    <a:pt x="2896" y="2275"/>
-                    <a:pt x="2817" y="2039"/>
-                    <a:pt x="2862" y="1971"/>
-                  </a:cubicBezTo>
-                  <a:cubicBezTo>
-                    <a:pt x="2873" y="1971"/>
-                    <a:pt x="2884" y="1949"/>
-                    <a:pt x="2896" y="1938"/>
-                  </a:cubicBezTo>
-                  <a:lnTo>
-                    <a:pt x="3065" y="1814"/>
-                  </a:lnTo>
-                  <a:cubicBezTo>
-                    <a:pt x="3166" y="1746"/>
-                    <a:pt x="3256" y="1667"/>
-                    <a:pt x="3335" y="1600"/>
-                  </a:cubicBezTo>
-                  <a:cubicBezTo>
-                    <a:pt x="3369" y="1588"/>
-                    <a:pt x="3380" y="1555"/>
-                    <a:pt x="3402" y="1543"/>
-                  </a:cubicBezTo>
-                  <a:cubicBezTo>
-                    <a:pt x="3515" y="1442"/>
-                    <a:pt x="3661" y="1352"/>
-                    <a:pt x="3707" y="1217"/>
-                  </a:cubicBezTo>
-                  <a:lnTo>
-                    <a:pt x="3729" y="1138"/>
-                  </a:lnTo>
-                  <a:lnTo>
-                    <a:pt x="3628" y="1104"/>
-                  </a:lnTo>
-                  <a:cubicBezTo>
-                    <a:pt x="3436" y="1036"/>
-                    <a:pt x="3222" y="1025"/>
-                    <a:pt x="3031" y="1025"/>
-                  </a:cubicBezTo>
-                  <a:cubicBezTo>
-                    <a:pt x="2839" y="1003"/>
-                    <a:pt x="2659" y="1003"/>
-                    <a:pt x="2501" y="946"/>
-                  </a:cubicBezTo>
-                  <a:cubicBezTo>
-                    <a:pt x="2411" y="924"/>
-                    <a:pt x="2321" y="721"/>
-                    <a:pt x="2265" y="597"/>
-                  </a:cubicBezTo>
-                  <a:cubicBezTo>
-                    <a:pt x="2254" y="563"/>
-                    <a:pt x="2220" y="507"/>
-                    <a:pt x="2209" y="473"/>
-                  </a:cubicBezTo>
-                  <a:cubicBezTo>
-                    <a:pt x="1972" y="23"/>
-                    <a:pt x="1916" y="11"/>
-                    <a:pt x="1871" y="11"/>
-                  </a:cubicBezTo>
-                  <a:lnTo>
-                    <a:pt x="1814" y="0"/>
-                  </a:lnTo>
-                  <a:close/>
-                </a:path>
-              </a:pathLst>
-            </a:custGeom>
-            <a:solidFill>
-              <a:srgbClr val="000000"/>
-            </a:solidFill>
-            <a:ln>
-              <a:noFill/>
-            </a:ln>
-          </p:spPr>
-          <p:txBody>
-            <a:bodyPr spcFirstLastPara="1" wrap="square" lIns="91425" tIns="91425" rIns="91425" bIns="91425" anchor="ctr" anchorCtr="0">
-              <a:noAutofit/>
-            </a:bodyPr>
-            <a:lstStyle/>
-            <a:p>
-              <a:pPr marL="0" lvl="0" indent="0" algn="l" rtl="0">
-                <a:spcBef>
-                  <a:spcPts val="0"/>
-                </a:spcBef>
-                <a:spcAft>
-                  <a:spcPts val="0"/>
-                </a:spcAft>
-                <a:buNone/>
-              </a:pPr>
-              <a:endParaRPr/>
-            </a:p>
-          </p:txBody>
-        </p:sp>
-      </p:grpSp>
-      <p:sp>
-        <p:nvSpPr>
-          <p:cNvPr id="983" name="Google Shape;983;p46"/>
-          <p:cNvSpPr txBox="1"/>
-          <p:nvPr/>
-        </p:nvSpPr>
-        <p:spPr>
-          <a:xfrm>
-            <a:off x="4653765" y="2442330"/>
-            <a:ext cx="1068000" cy="432900"/>
-          </a:xfrm>
-          <a:prstGeom prst="rect">
-            <a:avLst/>
-          </a:prstGeom>
-          <a:noFill/>
-          <a:ln>
-            <a:noFill/>
-          </a:ln>
-        </p:spPr>
-        <p:txBody>
-          <a:bodyPr spcFirstLastPara="1" wrap="square" lIns="91425" tIns="91425" rIns="91425" bIns="91425" anchor="ctr" anchorCtr="0">
-            <a:noAutofit/>
-          </a:bodyPr>
-          <a:lstStyle/>
-          <a:p>
-            <a:pPr marL="0" lvl="0" indent="0" algn="ctr" rtl="0">
-              <a:spcBef>
-                <a:spcPts val="0"/>
-              </a:spcBef>
-              <a:spcAft>
-                <a:spcPts val="0"/>
-              </a:spcAft>
-              <a:buNone/>
-            </a:pPr>
-            <a:r>
-              <a:rPr lang="en" sz="2500" dirty="0" smtClean="0">
-                <a:solidFill>
-                  <a:schemeClr val="dk1"/>
-                </a:solidFill>
-                <a:latin typeface="Fira Sans Condensed SemiBold"/>
-                <a:ea typeface="Fira Sans Condensed SemiBold"/>
-                <a:cs typeface="Fira Sans Condensed SemiBold"/>
-                <a:sym typeface="Fira Sans Condensed SemiBold"/>
-              </a:rPr>
-              <a:t>97</a:t>
-            </a:r>
-            <a:r>
-              <a:rPr lang="en" sz="2500" dirty="0" smtClean="0">
-                <a:solidFill>
-                  <a:schemeClr val="dk1"/>
-                </a:solidFill>
-                <a:latin typeface="Fira Sans Condensed SemiBold"/>
-                <a:ea typeface="Fira Sans Condensed SemiBold"/>
-                <a:cs typeface="Fira Sans Condensed SemiBold"/>
-                <a:sym typeface="Fira Sans Condensed SemiBold"/>
-              </a:rPr>
-              <a:t>%</a:t>
-            </a:r>
-            <a:endParaRPr sz="2500" dirty="0">
-              <a:solidFill>
-                <a:schemeClr val="dk1"/>
-              </a:solidFill>
-              <a:latin typeface="Fira Sans Condensed SemiBold"/>
-              <a:ea typeface="Fira Sans Condensed SemiBold"/>
-              <a:cs typeface="Fira Sans Condensed SemiBold"/>
-              <a:sym typeface="Fira Sans Condensed SemiBold"/>
-            </a:endParaRPr>
-          </a:p>
-        </p:txBody>
-      </p:sp>
-      <p:sp>
-        <p:nvSpPr>
-          <p:cNvPr id="984" name="Google Shape;984;p46"/>
-          <p:cNvSpPr txBox="1"/>
-          <p:nvPr/>
-        </p:nvSpPr>
-        <p:spPr>
-          <a:xfrm>
-            <a:off x="7248103" y="2442330"/>
-            <a:ext cx="1068000" cy="432900"/>
-          </a:xfrm>
-          <a:prstGeom prst="rect">
-            <a:avLst/>
-          </a:prstGeom>
-          <a:noFill/>
-          <a:ln>
-            <a:noFill/>
-          </a:ln>
-        </p:spPr>
-        <p:txBody>
-          <a:bodyPr spcFirstLastPara="1" wrap="square" lIns="91425" tIns="91425" rIns="91425" bIns="91425" anchor="ctr" anchorCtr="0">
-            <a:noAutofit/>
-          </a:bodyPr>
-          <a:lstStyle/>
-          <a:p>
-            <a:pPr marL="0" lvl="0" indent="0" algn="ctr" rtl="0">
-              <a:spcBef>
-                <a:spcPts val="0"/>
-              </a:spcBef>
-              <a:spcAft>
-                <a:spcPts val="0"/>
-              </a:spcAft>
-              <a:buNone/>
-            </a:pPr>
-            <a:r>
-              <a:rPr lang="en" sz="2500" dirty="0">
-                <a:solidFill>
-                  <a:schemeClr val="dk1"/>
-                </a:solidFill>
-                <a:latin typeface="Fira Sans Condensed SemiBold"/>
-                <a:ea typeface="Fira Sans Condensed SemiBold"/>
-                <a:cs typeface="Fira Sans Condensed SemiBold"/>
-                <a:sym typeface="Fira Sans Condensed SemiBold"/>
-              </a:rPr>
-              <a:t>3</a:t>
-            </a:r>
-            <a:r>
-              <a:rPr lang="en" sz="2500" dirty="0" smtClean="0">
-                <a:solidFill>
-                  <a:schemeClr val="dk1"/>
-                </a:solidFill>
-                <a:latin typeface="Fira Sans Condensed SemiBold"/>
-                <a:ea typeface="Fira Sans Condensed SemiBold"/>
-                <a:cs typeface="Fira Sans Condensed SemiBold"/>
-                <a:sym typeface="Fira Sans Condensed SemiBold"/>
-              </a:rPr>
-              <a:t>%</a:t>
-            </a:r>
-            <a:endParaRPr sz="2500" dirty="0">
-              <a:solidFill>
-                <a:schemeClr val="dk1"/>
-              </a:solidFill>
-              <a:latin typeface="Fira Sans Condensed SemiBold"/>
-              <a:ea typeface="Fira Sans Condensed SemiBold"/>
-              <a:cs typeface="Fira Sans Condensed SemiBold"/>
-              <a:sym typeface="Fira Sans Condensed SemiBold"/>
-            </a:endParaRPr>
-          </a:p>
-        </p:txBody>
-      </p:sp>
-      <p:sp>
-        <p:nvSpPr>
-          <p:cNvPr id="54" name="Google Shape;939;p46"/>
-          <p:cNvSpPr txBox="1"/>
-          <p:nvPr/>
-        </p:nvSpPr>
-        <p:spPr>
-          <a:xfrm>
-            <a:off x="5082418" y="3221578"/>
-            <a:ext cx="3014359" cy="342300"/>
-          </a:xfrm>
-          <a:prstGeom prst="rect">
-            <a:avLst/>
-          </a:prstGeom>
-          <a:noFill/>
-          <a:ln>
-            <a:noFill/>
-          </a:ln>
-        </p:spPr>
-        <p:txBody>
-          <a:bodyPr spcFirstLastPara="1" wrap="square" lIns="91425" tIns="91425" rIns="91425" bIns="91425" anchor="ctr" anchorCtr="0">
-            <a:noAutofit/>
-          </a:bodyPr>
-          <a:lstStyle/>
-          <a:p>
-            <a:pPr marL="0" lvl="0" indent="0" algn="ctr" rtl="0">
-              <a:spcBef>
-                <a:spcPts val="0"/>
-              </a:spcBef>
-              <a:spcAft>
-                <a:spcPts val="0"/>
-              </a:spcAft>
-              <a:buNone/>
-            </a:pPr>
-            <a:r>
-              <a:rPr lang="en" sz="2000" dirty="0" smtClean="0">
-                <a:solidFill>
-                  <a:schemeClr val="dk1"/>
-                </a:solidFill>
-                <a:latin typeface="Fira Sans Extra Condensed SemiBold"/>
-                <a:ea typeface="Fira Sans Extra Condensed SemiBold"/>
-                <a:cs typeface="Fira Sans Extra Condensed SemiBold"/>
-                <a:sym typeface="Fira Sans Extra Condensed SemiBold"/>
-              </a:rPr>
-              <a:t>Cantidad de trabajo</a:t>
-            </a:r>
-            <a:endParaRPr sz="2000" dirty="0">
-              <a:solidFill>
-                <a:schemeClr val="dk1"/>
-              </a:solidFill>
-              <a:latin typeface="Fira Sans Extra Condensed SemiBold"/>
-              <a:ea typeface="Fira Sans Extra Condensed SemiBold"/>
-              <a:cs typeface="Fira Sans Extra Condensed SemiBold"/>
-              <a:sym typeface="Fira Sans Extra Condensed SemiBold"/>
-            </a:endParaRPr>
-          </a:p>
-        </p:txBody>
-      </p:sp>
-    </p:spTree>
-  </p:cSld>
-  <p:clrMapOvr>
-    <a:masterClrMapping/>
-  </p:clrMapOvr>
-</p:sld>
-</file>
-
-<file path=ppt/slides/slide8.xml><?xml version="1.0" encoding="utf-8"?>
 <p:sld xmlns:a="http://schemas.openxmlformats.org/drawingml/2006/main" xmlns:r="http://schemas.openxmlformats.org/officeDocument/2006/relationships" xmlns:p="http://schemas.openxmlformats.org/presentationml/2006/main">
   <p:cSld>
     <p:spTree>
